--- a/document/ER모델.pptx
+++ b/document/ER모델.pptx
@@ -259,7 +259,7 @@
           <a:p>
             <a:fld id="{BC77C24B-2C50-4B4B-93E7-754CD84F63CC}" type="datetimeFigureOut">
               <a:rPr lang="ko-KR" altLang="en-US" smtClean="0"/>
-              <a:t>2022-01-28</a:t>
+              <a:t>2022-02-04</a:t>
             </a:fld>
             <a:endParaRPr lang="ko-KR" altLang="en-US"/>
           </a:p>
@@ -457,7 +457,7 @@
           <a:p>
             <a:fld id="{BC77C24B-2C50-4B4B-93E7-754CD84F63CC}" type="datetimeFigureOut">
               <a:rPr lang="ko-KR" altLang="en-US" smtClean="0"/>
-              <a:t>2022-01-28</a:t>
+              <a:t>2022-02-04</a:t>
             </a:fld>
             <a:endParaRPr lang="ko-KR" altLang="en-US"/>
           </a:p>
@@ -665,7 +665,7 @@
           <a:p>
             <a:fld id="{BC77C24B-2C50-4B4B-93E7-754CD84F63CC}" type="datetimeFigureOut">
               <a:rPr lang="ko-KR" altLang="en-US" smtClean="0"/>
-              <a:t>2022-01-28</a:t>
+              <a:t>2022-02-04</a:t>
             </a:fld>
             <a:endParaRPr lang="ko-KR" altLang="en-US"/>
           </a:p>
@@ -863,7 +863,7 @@
           <a:p>
             <a:fld id="{BC77C24B-2C50-4B4B-93E7-754CD84F63CC}" type="datetimeFigureOut">
               <a:rPr lang="ko-KR" altLang="en-US" smtClean="0"/>
-              <a:t>2022-01-28</a:t>
+              <a:t>2022-02-04</a:t>
             </a:fld>
             <a:endParaRPr lang="ko-KR" altLang="en-US"/>
           </a:p>
@@ -1138,7 +1138,7 @@
           <a:p>
             <a:fld id="{BC77C24B-2C50-4B4B-93E7-754CD84F63CC}" type="datetimeFigureOut">
               <a:rPr lang="ko-KR" altLang="en-US" smtClean="0"/>
-              <a:t>2022-01-28</a:t>
+              <a:t>2022-02-04</a:t>
             </a:fld>
             <a:endParaRPr lang="ko-KR" altLang="en-US"/>
           </a:p>
@@ -1403,7 +1403,7 @@
           <a:p>
             <a:fld id="{BC77C24B-2C50-4B4B-93E7-754CD84F63CC}" type="datetimeFigureOut">
               <a:rPr lang="ko-KR" altLang="en-US" smtClean="0"/>
-              <a:t>2022-01-28</a:t>
+              <a:t>2022-02-04</a:t>
             </a:fld>
             <a:endParaRPr lang="ko-KR" altLang="en-US"/>
           </a:p>
@@ -1815,7 +1815,7 @@
           <a:p>
             <a:fld id="{BC77C24B-2C50-4B4B-93E7-754CD84F63CC}" type="datetimeFigureOut">
               <a:rPr lang="ko-KR" altLang="en-US" smtClean="0"/>
-              <a:t>2022-01-28</a:t>
+              <a:t>2022-02-04</a:t>
             </a:fld>
             <a:endParaRPr lang="ko-KR" altLang="en-US"/>
           </a:p>
@@ -1956,7 +1956,7 @@
           <a:p>
             <a:fld id="{BC77C24B-2C50-4B4B-93E7-754CD84F63CC}" type="datetimeFigureOut">
               <a:rPr lang="ko-KR" altLang="en-US" smtClean="0"/>
-              <a:t>2022-01-28</a:t>
+              <a:t>2022-02-04</a:t>
             </a:fld>
             <a:endParaRPr lang="ko-KR" altLang="en-US"/>
           </a:p>
@@ -2069,7 +2069,7 @@
           <a:p>
             <a:fld id="{BC77C24B-2C50-4B4B-93E7-754CD84F63CC}" type="datetimeFigureOut">
               <a:rPr lang="ko-KR" altLang="en-US" smtClean="0"/>
-              <a:t>2022-01-28</a:t>
+              <a:t>2022-02-04</a:t>
             </a:fld>
             <a:endParaRPr lang="ko-KR" altLang="en-US"/>
           </a:p>
@@ -2380,7 +2380,7 @@
           <a:p>
             <a:fld id="{BC77C24B-2C50-4B4B-93E7-754CD84F63CC}" type="datetimeFigureOut">
               <a:rPr lang="ko-KR" altLang="en-US" smtClean="0"/>
-              <a:t>2022-01-28</a:t>
+              <a:t>2022-02-04</a:t>
             </a:fld>
             <a:endParaRPr lang="ko-KR" altLang="en-US"/>
           </a:p>
@@ -2668,7 +2668,7 @@
           <a:p>
             <a:fld id="{BC77C24B-2C50-4B4B-93E7-754CD84F63CC}" type="datetimeFigureOut">
               <a:rPr lang="ko-KR" altLang="en-US" smtClean="0"/>
-              <a:t>2022-01-28</a:t>
+              <a:t>2022-02-04</a:t>
             </a:fld>
             <a:endParaRPr lang="ko-KR" altLang="en-US"/>
           </a:p>
@@ -2909,7 +2909,7 @@
           <a:p>
             <a:fld id="{BC77C24B-2C50-4B4B-93E7-754CD84F63CC}" type="datetimeFigureOut">
               <a:rPr lang="ko-KR" altLang="en-US" smtClean="0"/>
-              <a:t>2022-01-28</a:t>
+              <a:t>2022-02-04</a:t>
             </a:fld>
             <a:endParaRPr lang="ko-KR" altLang="en-US"/>
           </a:p>
@@ -3340,7 +3340,7 @@
         </p:nvSpPr>
         <p:spPr>
           <a:xfrm>
-            <a:off x="1141467" y="514478"/>
+            <a:off x="955313" y="1364955"/>
             <a:ext cx="1386942" cy="552322"/>
           </a:xfrm>
           <a:prstGeom prst="ellipse">
@@ -3388,7 +3388,7 @@
         </p:nvSpPr>
         <p:spPr>
           <a:xfrm>
-            <a:off x="2826048" y="1342961"/>
+            <a:off x="2663420" y="1364955"/>
             <a:ext cx="1503544" cy="552322"/>
           </a:xfrm>
           <a:prstGeom prst="rect">
@@ -3416,8 +3416,9 @@
             <a:pPr algn="ctr"/>
             <a:r>
               <a:rPr lang="ko-KR" altLang="en-US" dirty="0"/>
-              <a:t>유저</a:t>
-            </a:r>
+              <a:t>캐릭터</a:t>
+            </a:r>
+            <a:endParaRPr lang="en-US" altLang="ko-KR" dirty="0"/>
           </a:p>
         </p:txBody>
       </p:sp>
@@ -3435,7 +3436,7 @@
         </p:nvSpPr>
         <p:spPr>
           <a:xfrm>
-            <a:off x="2884349" y="348781"/>
+            <a:off x="2721721" y="568311"/>
             <a:ext cx="1386942" cy="552322"/>
           </a:xfrm>
           <a:prstGeom prst="ellipse">
@@ -3483,7 +3484,7 @@
         </p:nvSpPr>
         <p:spPr>
           <a:xfrm>
-            <a:off x="4529040" y="435721"/>
+            <a:off x="1956865" y="5102085"/>
             <a:ext cx="1386942" cy="552322"/>
           </a:xfrm>
           <a:prstGeom prst="ellipse">
@@ -3530,7 +3531,7 @@
         </p:nvSpPr>
         <p:spPr>
           <a:xfrm>
-            <a:off x="827461" y="1342961"/>
+            <a:off x="324446" y="5100545"/>
             <a:ext cx="1386942" cy="552322"/>
           </a:xfrm>
           <a:prstGeom prst="ellipse">
@@ -3565,10 +3566,10 @@
       </p:sp>
       <p:sp>
         <p:nvSpPr>
-          <p:cNvPr id="9" name="직사각형 8">
-            <a:extLst>
-              <a:ext uri="{FF2B5EF4-FFF2-40B4-BE49-F238E27FC236}">
-                <a16:creationId xmlns:a16="http://schemas.microsoft.com/office/drawing/2014/main" id="{BC0B94B5-D454-4EB8-96CF-1CB4817AD0E4}"/>
+          <p:cNvPr id="28" name="타원 27">
+            <a:extLst>
+              <a:ext uri="{FF2B5EF4-FFF2-40B4-BE49-F238E27FC236}">
+                <a16:creationId xmlns:a16="http://schemas.microsoft.com/office/drawing/2014/main" id="{72756364-987D-4856-B37B-658D10F877F2}"/>
               </a:ext>
             </a:extLst>
           </p:cNvPr>
@@ -3577,10 +3578,10 @@
         </p:nvSpPr>
         <p:spPr>
           <a:xfrm>
-            <a:off x="8794620" y="5088518"/>
-            <a:ext cx="1728564" cy="552322"/>
-          </a:xfrm>
-          <a:prstGeom prst="rect">
+            <a:off x="7110039" y="664838"/>
+            <a:ext cx="1386942" cy="552322"/>
+          </a:xfrm>
+          <a:prstGeom prst="ellipse">
             <a:avLst/>
           </a:prstGeom>
         </p:spPr>
@@ -3604,19 +3605,19 @@
           <a:p>
             <a:pPr algn="ctr"/>
             <a:r>
-              <a:rPr lang="ko-KR" altLang="en-US" dirty="0" err="1"/>
-              <a:t>커스터마이징아이템</a:t>
-            </a:r>
-            <a:endParaRPr lang="ko-KR" altLang="en-US" dirty="0"/>
-          </a:p>
-        </p:txBody>
-      </p:sp>
-      <p:sp>
-        <p:nvSpPr>
-          <p:cNvPr id="10" name="타원 9">
-            <a:extLst>
-              <a:ext uri="{FF2B5EF4-FFF2-40B4-BE49-F238E27FC236}">
-                <a16:creationId xmlns:a16="http://schemas.microsoft.com/office/drawing/2014/main" id="{0DDA119D-1FC2-4F70-86A5-B6D677F3A88D}"/>
+              <a:rPr lang="ko-KR" altLang="en-US" u="sng" dirty="0" err="1"/>
+              <a:t>호스트닉네임</a:t>
+            </a:r>
+            <a:endParaRPr lang="en-US" altLang="ko-KR" u="sng" dirty="0"/>
+          </a:p>
+        </p:txBody>
+      </p:sp>
+      <p:sp>
+        <p:nvSpPr>
+          <p:cNvPr id="29" name="직사각형 28">
+            <a:extLst>
+              <a:ext uri="{FF2B5EF4-FFF2-40B4-BE49-F238E27FC236}">
+                <a16:creationId xmlns:a16="http://schemas.microsoft.com/office/drawing/2014/main" id="{2744EFCE-8257-4D59-9017-959BB2CC56E0}"/>
               </a:ext>
             </a:extLst>
           </p:cNvPr>
@@ -3625,10 +3626,10 @@
         </p:nvSpPr>
         <p:spPr>
           <a:xfrm>
-            <a:off x="7121288" y="4505000"/>
-            <a:ext cx="1386942" cy="552322"/>
-          </a:xfrm>
-          <a:prstGeom prst="ellipse">
+            <a:off x="8794620" y="1493321"/>
+            <a:ext cx="1503544" cy="552322"/>
+          </a:xfrm>
+          <a:prstGeom prst="rect">
             <a:avLst/>
           </a:prstGeom>
         </p:spPr>
@@ -3652,19 +3653,18 @@
           <a:p>
             <a:pPr algn="ctr"/>
             <a:r>
-              <a:rPr lang="ko-KR" altLang="en-US" u="sng" dirty="0"/>
-              <a:t>이름</a:t>
-            </a:r>
-            <a:endParaRPr lang="en-US" altLang="ko-KR" u="sng" dirty="0"/>
-          </a:p>
-        </p:txBody>
-      </p:sp>
-      <p:sp>
-        <p:nvSpPr>
-          <p:cNvPr id="11" name="타원 10">
-            <a:extLst>
-              <a:ext uri="{FF2B5EF4-FFF2-40B4-BE49-F238E27FC236}">
-                <a16:creationId xmlns:a16="http://schemas.microsoft.com/office/drawing/2014/main" id="{CC659902-171D-43E0-AD58-9EF9B975FF63}"/>
+              <a:rPr lang="ko-KR" altLang="en-US" dirty="0"/>
+              <a:t>방</a:t>
+            </a:r>
+          </a:p>
+        </p:txBody>
+      </p:sp>
+      <p:sp>
+        <p:nvSpPr>
+          <p:cNvPr id="30" name="타원 29">
+            <a:extLst>
+              <a:ext uri="{FF2B5EF4-FFF2-40B4-BE49-F238E27FC236}">
+                <a16:creationId xmlns:a16="http://schemas.microsoft.com/office/drawing/2014/main" id="{22320691-4576-4273-8E19-BE57CD5E89C7}"/>
               </a:ext>
             </a:extLst>
           </p:cNvPr>
@@ -3673,7 +3673,7 @@
         </p:nvSpPr>
         <p:spPr>
           <a:xfrm>
-            <a:off x="8794620" y="4117356"/>
+            <a:off x="8852921" y="499141"/>
             <a:ext cx="1386942" cy="552322"/>
           </a:xfrm>
           <a:prstGeom prst="ellipse">
@@ -3701,7 +3701,7 @@
             <a:pPr algn="ctr"/>
             <a:r>
               <a:rPr lang="ko-KR" altLang="en-US" dirty="0"/>
-              <a:t>부위</a:t>
+              <a:t>인원</a:t>
             </a:r>
             <a:endParaRPr lang="en-US" altLang="ko-KR" dirty="0"/>
           </a:p>
@@ -3709,10 +3709,10 @@
       </p:sp>
       <p:sp>
         <p:nvSpPr>
-          <p:cNvPr id="12" name="타원 11">
-            <a:extLst>
-              <a:ext uri="{FF2B5EF4-FFF2-40B4-BE49-F238E27FC236}">
-                <a16:creationId xmlns:a16="http://schemas.microsoft.com/office/drawing/2014/main" id="{AD97D818-5B55-4383-AA77-940B25A7C8E9}"/>
+          <p:cNvPr id="31" name="타원 30">
+            <a:extLst>
+              <a:ext uri="{FF2B5EF4-FFF2-40B4-BE49-F238E27FC236}">
+                <a16:creationId xmlns:a16="http://schemas.microsoft.com/office/drawing/2014/main" id="{668A8152-BF50-43C2-B59B-905E7C7E4527}"/>
               </a:ext>
             </a:extLst>
           </p:cNvPr>
@@ -3721,7 +3721,7 @@
         </p:nvSpPr>
         <p:spPr>
           <a:xfrm>
-            <a:off x="10637737" y="4664562"/>
+            <a:off x="10497612" y="586081"/>
             <a:ext cx="1386942" cy="552322"/>
           </a:xfrm>
           <a:prstGeom prst="ellipse">
@@ -3749,7 +3749,7 @@
             <a:pPr algn="ctr"/>
             <a:r>
               <a:rPr lang="ko-KR" altLang="en-US" dirty="0"/>
-              <a:t>아이콘</a:t>
+              <a:t>유저목록</a:t>
             </a:r>
             <a:endParaRPr lang="en-US" altLang="ko-KR" dirty="0"/>
           </a:p>
@@ -3757,10 +3757,10 @@
       </p:sp>
       <p:sp>
         <p:nvSpPr>
-          <p:cNvPr id="14" name="타원 13">
-            <a:extLst>
-              <a:ext uri="{FF2B5EF4-FFF2-40B4-BE49-F238E27FC236}">
-                <a16:creationId xmlns:a16="http://schemas.microsoft.com/office/drawing/2014/main" id="{1BEC1E06-BAE9-4690-B4B2-0D726A74413A}"/>
+          <p:cNvPr id="32" name="타원 31">
+            <a:extLst>
+              <a:ext uri="{FF2B5EF4-FFF2-40B4-BE49-F238E27FC236}">
+                <a16:creationId xmlns:a16="http://schemas.microsoft.com/office/drawing/2014/main" id="{9DDDC0A9-7BE7-46D0-A473-840C5EDE6122}"/>
               </a:ext>
             </a:extLst>
           </p:cNvPr>
@@ -3769,7 +3769,7 @@
         </p:nvSpPr>
         <p:spPr>
           <a:xfrm>
-            <a:off x="8995093" y="6059681"/>
+            <a:off x="10523184" y="1641116"/>
             <a:ext cx="1386942" cy="552322"/>
           </a:xfrm>
           <a:prstGeom prst="ellipse">
@@ -3797,7 +3797,7 @@
             <a:pPr algn="ctr"/>
             <a:r>
               <a:rPr lang="ko-KR" altLang="en-US" dirty="0"/>
-              <a:t>모델링</a:t>
+              <a:t>유저접속여부</a:t>
             </a:r>
             <a:endParaRPr lang="en-US" altLang="ko-KR" dirty="0"/>
           </a:p>
@@ -3805,10 +3805,10 @@
       </p:sp>
       <p:sp>
         <p:nvSpPr>
-          <p:cNvPr id="16" name="직사각형 15">
-            <a:extLst>
-              <a:ext uri="{FF2B5EF4-FFF2-40B4-BE49-F238E27FC236}">
-                <a16:creationId xmlns:a16="http://schemas.microsoft.com/office/drawing/2014/main" id="{48903282-EF90-4BE9-A6E4-E44E4C20B9B0}"/>
+          <p:cNvPr id="33" name="직사각형 32">
+            <a:extLst>
+              <a:ext uri="{FF2B5EF4-FFF2-40B4-BE49-F238E27FC236}">
+                <a16:creationId xmlns:a16="http://schemas.microsoft.com/office/drawing/2014/main" id="{2B4B5DFD-F39A-450A-B412-AB290AB31B7D}"/>
               </a:ext>
             </a:extLst>
           </p:cNvPr>
@@ -3817,8 +3817,8 @@
         </p:nvSpPr>
         <p:spPr>
           <a:xfrm>
-            <a:off x="1767430" y="4117356"/>
-            <a:ext cx="1012591" cy="552322"/>
+            <a:off x="1017917" y="4222710"/>
+            <a:ext cx="1503544" cy="552322"/>
           </a:xfrm>
           <a:prstGeom prst="rect">
             <a:avLst/>
@@ -3844,19 +3844,99 @@
           <a:p>
             <a:pPr algn="ctr"/>
             <a:r>
-              <a:rPr lang="ko-KR" altLang="en-US"/>
-              <a:t>아이템</a:t>
-            </a:r>
-            <a:endParaRPr lang="ko-KR" altLang="en-US" dirty="0"/>
-          </a:p>
-        </p:txBody>
-      </p:sp>
-      <p:sp>
-        <p:nvSpPr>
-          <p:cNvPr id="20" name="타원 19">
-            <a:extLst>
-              <a:ext uri="{FF2B5EF4-FFF2-40B4-BE49-F238E27FC236}">
-                <a16:creationId xmlns:a16="http://schemas.microsoft.com/office/drawing/2014/main" id="{DC85D343-42DC-42AF-9286-7625D1EB5BA7}"/>
+              <a:rPr lang="ko-KR" altLang="en-US" dirty="0"/>
+              <a:t>계정</a:t>
+            </a:r>
+            <a:endParaRPr lang="en-US" altLang="ko-KR" dirty="0"/>
+          </a:p>
+        </p:txBody>
+      </p:sp>
+      <p:cxnSp>
+        <p:nvCxnSpPr>
+          <p:cNvPr id="3" name="직선 연결선 2">
+            <a:extLst>
+              <a:ext uri="{FF2B5EF4-FFF2-40B4-BE49-F238E27FC236}">
+                <a16:creationId xmlns:a16="http://schemas.microsoft.com/office/drawing/2014/main" id="{FC139B2C-738A-47F5-9E76-24A60F6B37AC}"/>
+              </a:ext>
+            </a:extLst>
+          </p:cNvPr>
+          <p:cNvCxnSpPr>
+            <a:cxnSpLocks/>
+            <a:stCxn id="33" idx="2"/>
+            <a:endCxn id="8" idx="0"/>
+          </p:cNvCxnSpPr>
+          <p:nvPr/>
+        </p:nvCxnSpPr>
+        <p:spPr>
+          <a:xfrm flipH="1">
+            <a:off x="1017917" y="4775032"/>
+            <a:ext cx="751772" cy="325513"/>
+          </a:xfrm>
+          <a:prstGeom prst="line">
+            <a:avLst/>
+          </a:prstGeom>
+        </p:spPr>
+        <p:style>
+          <a:lnRef idx="2">
+            <a:schemeClr val="dk1"/>
+          </a:lnRef>
+          <a:fillRef idx="0">
+            <a:schemeClr val="dk1"/>
+          </a:fillRef>
+          <a:effectRef idx="1">
+            <a:schemeClr val="dk1"/>
+          </a:effectRef>
+          <a:fontRef idx="minor">
+            <a:schemeClr val="tx1"/>
+          </a:fontRef>
+        </p:style>
+      </p:cxnSp>
+      <p:cxnSp>
+        <p:nvCxnSpPr>
+          <p:cNvPr id="34" name="직선 연결선 33">
+            <a:extLst>
+              <a:ext uri="{FF2B5EF4-FFF2-40B4-BE49-F238E27FC236}">
+                <a16:creationId xmlns:a16="http://schemas.microsoft.com/office/drawing/2014/main" id="{37F21C4B-EB76-41B6-B30B-49A144E1FDD4}"/>
+              </a:ext>
+            </a:extLst>
+          </p:cNvPr>
+          <p:cNvCxnSpPr>
+            <a:cxnSpLocks/>
+            <a:stCxn id="33" idx="2"/>
+            <a:endCxn id="7" idx="0"/>
+          </p:cNvCxnSpPr>
+          <p:nvPr/>
+        </p:nvCxnSpPr>
+        <p:spPr>
+          <a:xfrm>
+            <a:off x="1769689" y="4775032"/>
+            <a:ext cx="880647" cy="327053"/>
+          </a:xfrm>
+          <a:prstGeom prst="line">
+            <a:avLst/>
+          </a:prstGeom>
+        </p:spPr>
+        <p:style>
+          <a:lnRef idx="2">
+            <a:schemeClr val="dk1"/>
+          </a:lnRef>
+          <a:fillRef idx="0">
+            <a:schemeClr val="dk1"/>
+          </a:fillRef>
+          <a:effectRef idx="1">
+            <a:schemeClr val="dk1"/>
+          </a:effectRef>
+          <a:fontRef idx="minor">
+            <a:schemeClr val="tx1"/>
+          </a:fontRef>
+        </p:style>
+      </p:cxnSp>
+      <p:sp>
+        <p:nvSpPr>
+          <p:cNvPr id="35" name="타원 34">
+            <a:extLst>
+              <a:ext uri="{FF2B5EF4-FFF2-40B4-BE49-F238E27FC236}">
+                <a16:creationId xmlns:a16="http://schemas.microsoft.com/office/drawing/2014/main" id="{824FC306-5F2D-4208-8CC6-9F72701603CF}"/>
               </a:ext>
             </a:extLst>
           </p:cNvPr>
@@ -3865,7 +3945,7 @@
         </p:nvSpPr>
         <p:spPr>
           <a:xfrm>
-            <a:off x="343668" y="3288873"/>
+            <a:off x="4069801" y="5708211"/>
             <a:ext cx="1386942" cy="552322"/>
           </a:xfrm>
           <a:prstGeom prst="ellipse">
@@ -3892,19 +3972,22 @@
           <a:p>
             <a:pPr algn="ctr"/>
             <a:r>
-              <a:rPr lang="ko-KR" altLang="en-US" u="sng" dirty="0"/>
-              <a:t>이름</a:t>
-            </a:r>
-            <a:endParaRPr lang="en-US" altLang="ko-KR" u="sng" dirty="0"/>
-          </a:p>
-        </p:txBody>
-      </p:sp>
-      <p:sp>
-        <p:nvSpPr>
-          <p:cNvPr id="21" name="타원 20">
-            <a:extLst>
-              <a:ext uri="{FF2B5EF4-FFF2-40B4-BE49-F238E27FC236}">
-                <a16:creationId xmlns:a16="http://schemas.microsoft.com/office/drawing/2014/main" id="{F4DFCA33-0A17-433A-AA29-17A92064CC90}"/>
+              <a:rPr lang="ko-KR" altLang="en-US" dirty="0"/>
+              <a:t>부위</a:t>
+            </a:r>
+            <a:r>
+              <a:rPr lang="en-US" altLang="ko-KR" dirty="0"/>
+              <a:t>1</a:t>
+            </a:r>
+          </a:p>
+        </p:txBody>
+      </p:sp>
+      <p:sp>
+        <p:nvSpPr>
+          <p:cNvPr id="36" name="직사각형 35">
+            <a:extLst>
+              <a:ext uri="{FF2B5EF4-FFF2-40B4-BE49-F238E27FC236}">
+                <a16:creationId xmlns:a16="http://schemas.microsoft.com/office/drawing/2014/main" id="{8CFDDFB0-73BC-4B18-91E0-81897EBB80A8}"/>
               </a:ext>
             </a:extLst>
           </p:cNvPr>
@@ -3913,10 +3996,10 @@
         </p:nvSpPr>
         <p:spPr>
           <a:xfrm>
-            <a:off x="2086550" y="3123176"/>
-            <a:ext cx="1386942" cy="552322"/>
-          </a:xfrm>
-          <a:prstGeom prst="ellipse">
+            <a:off x="5262615" y="4711611"/>
+            <a:ext cx="1503544" cy="552322"/>
+          </a:xfrm>
+          <a:prstGeom prst="rect">
             <a:avLst/>
           </a:prstGeom>
         </p:spPr>
@@ -3941,7 +4024,7 @@
             <a:pPr algn="ctr"/>
             <a:r>
               <a:rPr lang="ko-KR" altLang="en-US" dirty="0"/>
-              <a:t>타입</a:t>
+              <a:t>커스터마이징</a:t>
             </a:r>
             <a:endParaRPr lang="en-US" altLang="ko-KR" dirty="0"/>
           </a:p>
@@ -3949,10 +4032,10 @@
       </p:sp>
       <p:sp>
         <p:nvSpPr>
-          <p:cNvPr id="22" name="타원 21">
-            <a:extLst>
-              <a:ext uri="{FF2B5EF4-FFF2-40B4-BE49-F238E27FC236}">
-                <a16:creationId xmlns:a16="http://schemas.microsoft.com/office/drawing/2014/main" id="{40EAB0FE-5854-4B45-A924-5AB3E1B2135B}"/>
+          <p:cNvPr id="37" name="타원 36">
+            <a:extLst>
+              <a:ext uri="{FF2B5EF4-FFF2-40B4-BE49-F238E27FC236}">
+                <a16:creationId xmlns:a16="http://schemas.microsoft.com/office/drawing/2014/main" id="{F80E55FE-F34B-4A37-898A-5202505FC446}"/>
               </a:ext>
             </a:extLst>
           </p:cNvPr>
@@ -3961,7 +4044,7 @@
         </p:nvSpPr>
         <p:spPr>
           <a:xfrm>
-            <a:off x="3731241" y="3210116"/>
+            <a:off x="5490495" y="5644422"/>
             <a:ext cx="1386942" cy="552322"/>
           </a:xfrm>
           <a:prstGeom prst="ellipse">
@@ -3989,18 +4072,21 @@
             <a:pPr algn="ctr"/>
             <a:r>
               <a:rPr lang="ko-KR" altLang="en-US" dirty="0"/>
-              <a:t>소모횟수</a:t>
-            </a:r>
-            <a:endParaRPr lang="en-US" altLang="ko-KR" dirty="0"/>
-          </a:p>
-        </p:txBody>
-      </p:sp>
-      <p:sp>
-        <p:nvSpPr>
-          <p:cNvPr id="23" name="타원 22">
-            <a:extLst>
-              <a:ext uri="{FF2B5EF4-FFF2-40B4-BE49-F238E27FC236}">
-                <a16:creationId xmlns:a16="http://schemas.microsoft.com/office/drawing/2014/main" id="{131D4323-2213-4115-B1A4-135D21D951F7}"/>
+              <a:t>부위</a:t>
+            </a:r>
+            <a:r>
+              <a:rPr lang="en-US" altLang="ko-KR" dirty="0"/>
+              <a:t>2</a:t>
+            </a:r>
+          </a:p>
+        </p:txBody>
+      </p:sp>
+      <p:sp>
+        <p:nvSpPr>
+          <p:cNvPr id="38" name="타원 37">
+            <a:extLst>
+              <a:ext uri="{FF2B5EF4-FFF2-40B4-BE49-F238E27FC236}">
+                <a16:creationId xmlns:a16="http://schemas.microsoft.com/office/drawing/2014/main" id="{6B9186B1-4C05-4CF5-A872-37C844427F8F}"/>
               </a:ext>
             </a:extLst>
           </p:cNvPr>
@@ -4009,7 +4095,7 @@
         </p:nvSpPr>
         <p:spPr>
           <a:xfrm>
-            <a:off x="-12272" y="5242968"/>
+            <a:off x="6944942" y="5600949"/>
             <a:ext cx="1386942" cy="552322"/>
           </a:xfrm>
           <a:prstGeom prst="ellipse">
@@ -4037,18 +4123,221 @@
             <a:pPr algn="ctr"/>
             <a:r>
               <a:rPr lang="ko-KR" altLang="en-US" dirty="0"/>
-              <a:t>지속시간</a:t>
-            </a:r>
-            <a:endParaRPr lang="en-US" altLang="ko-KR" dirty="0"/>
-          </a:p>
-        </p:txBody>
-      </p:sp>
-      <p:sp>
-        <p:nvSpPr>
-          <p:cNvPr id="24" name="타원 23">
-            <a:extLst>
-              <a:ext uri="{FF2B5EF4-FFF2-40B4-BE49-F238E27FC236}">
-                <a16:creationId xmlns:a16="http://schemas.microsoft.com/office/drawing/2014/main" id="{B97539DD-3D03-49BA-912E-205FCA1233DA}"/>
+              <a:t>부위</a:t>
+            </a:r>
+            <a:r>
+              <a:rPr lang="en-US" altLang="ko-KR" dirty="0"/>
+              <a:t>3</a:t>
+            </a:r>
+          </a:p>
+        </p:txBody>
+      </p:sp>
+      <p:cxnSp>
+        <p:nvCxnSpPr>
+          <p:cNvPr id="39" name="직선 연결선 38">
+            <a:extLst>
+              <a:ext uri="{FF2B5EF4-FFF2-40B4-BE49-F238E27FC236}">
+                <a16:creationId xmlns:a16="http://schemas.microsoft.com/office/drawing/2014/main" id="{C029FD55-B847-435C-B5DA-624314E41E41}"/>
+              </a:ext>
+            </a:extLst>
+          </p:cNvPr>
+          <p:cNvCxnSpPr>
+            <a:cxnSpLocks/>
+            <a:stCxn id="36" idx="2"/>
+            <a:endCxn id="35" idx="0"/>
+          </p:cNvCxnSpPr>
+          <p:nvPr/>
+        </p:nvCxnSpPr>
+        <p:spPr>
+          <a:xfrm flipH="1">
+            <a:off x="4763272" y="5263933"/>
+            <a:ext cx="1251115" cy="444278"/>
+          </a:xfrm>
+          <a:prstGeom prst="line">
+            <a:avLst/>
+          </a:prstGeom>
+        </p:spPr>
+        <p:style>
+          <a:lnRef idx="2">
+            <a:schemeClr val="dk1"/>
+          </a:lnRef>
+          <a:fillRef idx="0">
+            <a:schemeClr val="dk1"/>
+          </a:fillRef>
+          <a:effectRef idx="1">
+            <a:schemeClr val="dk1"/>
+          </a:effectRef>
+          <a:fontRef idx="minor">
+            <a:schemeClr val="tx1"/>
+          </a:fontRef>
+        </p:style>
+      </p:cxnSp>
+      <p:cxnSp>
+        <p:nvCxnSpPr>
+          <p:cNvPr id="42" name="직선 연결선 41">
+            <a:extLst>
+              <a:ext uri="{FF2B5EF4-FFF2-40B4-BE49-F238E27FC236}">
+                <a16:creationId xmlns:a16="http://schemas.microsoft.com/office/drawing/2014/main" id="{51B43EA6-9AB2-45FB-9970-0E76B76F8B42}"/>
+              </a:ext>
+            </a:extLst>
+          </p:cNvPr>
+          <p:cNvCxnSpPr>
+            <a:cxnSpLocks/>
+            <a:stCxn id="36" idx="2"/>
+            <a:endCxn id="37" idx="0"/>
+          </p:cNvCxnSpPr>
+          <p:nvPr/>
+        </p:nvCxnSpPr>
+        <p:spPr>
+          <a:xfrm>
+            <a:off x="6014387" y="5263933"/>
+            <a:ext cx="169579" cy="380489"/>
+          </a:xfrm>
+          <a:prstGeom prst="line">
+            <a:avLst/>
+          </a:prstGeom>
+        </p:spPr>
+        <p:style>
+          <a:lnRef idx="2">
+            <a:schemeClr val="dk1"/>
+          </a:lnRef>
+          <a:fillRef idx="0">
+            <a:schemeClr val="dk1"/>
+          </a:fillRef>
+          <a:effectRef idx="1">
+            <a:schemeClr val="dk1"/>
+          </a:effectRef>
+          <a:fontRef idx="minor">
+            <a:schemeClr val="tx1"/>
+          </a:fontRef>
+        </p:style>
+      </p:cxnSp>
+      <p:cxnSp>
+        <p:nvCxnSpPr>
+          <p:cNvPr id="45" name="직선 연결선 44">
+            <a:extLst>
+              <a:ext uri="{FF2B5EF4-FFF2-40B4-BE49-F238E27FC236}">
+                <a16:creationId xmlns:a16="http://schemas.microsoft.com/office/drawing/2014/main" id="{5967AD9D-15ED-4655-B38C-719E708FC299}"/>
+              </a:ext>
+            </a:extLst>
+          </p:cNvPr>
+          <p:cNvCxnSpPr>
+            <a:cxnSpLocks/>
+            <a:stCxn id="36" idx="2"/>
+            <a:endCxn id="38" idx="0"/>
+          </p:cNvCxnSpPr>
+          <p:nvPr/>
+        </p:nvCxnSpPr>
+        <p:spPr>
+          <a:xfrm>
+            <a:off x="6014387" y="5263933"/>
+            <a:ext cx="1624026" cy="337016"/>
+          </a:xfrm>
+          <a:prstGeom prst="line">
+            <a:avLst/>
+          </a:prstGeom>
+        </p:spPr>
+        <p:style>
+          <a:lnRef idx="2">
+            <a:schemeClr val="dk1"/>
+          </a:lnRef>
+          <a:fillRef idx="0">
+            <a:schemeClr val="dk1"/>
+          </a:fillRef>
+          <a:effectRef idx="1">
+            <a:schemeClr val="dk1"/>
+          </a:effectRef>
+          <a:fontRef idx="minor">
+            <a:schemeClr val="tx1"/>
+          </a:fontRef>
+        </p:style>
+      </p:cxnSp>
+      <p:cxnSp>
+        <p:nvCxnSpPr>
+          <p:cNvPr id="48" name="직선 연결선 47">
+            <a:extLst>
+              <a:ext uri="{FF2B5EF4-FFF2-40B4-BE49-F238E27FC236}">
+                <a16:creationId xmlns:a16="http://schemas.microsoft.com/office/drawing/2014/main" id="{BD165992-85AA-48C6-9C8D-F14336F8A58B}"/>
+              </a:ext>
+            </a:extLst>
+          </p:cNvPr>
+          <p:cNvCxnSpPr>
+            <a:cxnSpLocks/>
+            <a:stCxn id="5" idx="1"/>
+            <a:endCxn id="4" idx="6"/>
+          </p:cNvCxnSpPr>
+          <p:nvPr/>
+        </p:nvCxnSpPr>
+        <p:spPr>
+          <a:xfrm flipH="1">
+            <a:off x="2342255" y="1641116"/>
+            <a:ext cx="321165" cy="0"/>
+          </a:xfrm>
+          <a:prstGeom prst="line">
+            <a:avLst/>
+          </a:prstGeom>
+        </p:spPr>
+        <p:style>
+          <a:lnRef idx="2">
+            <a:schemeClr val="dk1"/>
+          </a:lnRef>
+          <a:fillRef idx="0">
+            <a:schemeClr val="dk1"/>
+          </a:fillRef>
+          <a:effectRef idx="1">
+            <a:schemeClr val="dk1"/>
+          </a:effectRef>
+          <a:fontRef idx="minor">
+            <a:schemeClr val="tx1"/>
+          </a:fontRef>
+        </p:style>
+      </p:cxnSp>
+      <p:cxnSp>
+        <p:nvCxnSpPr>
+          <p:cNvPr id="51" name="직선 연결선 50">
+            <a:extLst>
+              <a:ext uri="{FF2B5EF4-FFF2-40B4-BE49-F238E27FC236}">
+                <a16:creationId xmlns:a16="http://schemas.microsoft.com/office/drawing/2014/main" id="{BB168D72-8172-47CE-99B4-D9A4261F7D6A}"/>
+              </a:ext>
+            </a:extLst>
+          </p:cNvPr>
+          <p:cNvCxnSpPr>
+            <a:cxnSpLocks/>
+            <a:stCxn id="6" idx="4"/>
+            <a:endCxn id="5" idx="0"/>
+          </p:cNvCxnSpPr>
+          <p:nvPr/>
+        </p:nvCxnSpPr>
+        <p:spPr>
+          <a:xfrm>
+            <a:off x="3415192" y="1120633"/>
+            <a:ext cx="0" cy="244322"/>
+          </a:xfrm>
+          <a:prstGeom prst="line">
+            <a:avLst/>
+          </a:prstGeom>
+        </p:spPr>
+        <p:style>
+          <a:lnRef idx="2">
+            <a:schemeClr val="dk1"/>
+          </a:lnRef>
+          <a:fillRef idx="0">
+            <a:schemeClr val="dk1"/>
+          </a:fillRef>
+          <a:effectRef idx="1">
+            <a:schemeClr val="dk1"/>
+          </a:effectRef>
+          <a:fontRef idx="minor">
+            <a:schemeClr val="tx1"/>
+          </a:fontRef>
+        </p:style>
+      </p:cxnSp>
+      <p:sp>
+        <p:nvSpPr>
+          <p:cNvPr id="56" name="타원 55">
+            <a:extLst>
+              <a:ext uri="{FF2B5EF4-FFF2-40B4-BE49-F238E27FC236}">
+                <a16:creationId xmlns:a16="http://schemas.microsoft.com/office/drawing/2014/main" id="{04FB4F74-6839-4E94-B303-38899404BE71}"/>
               </a:ext>
             </a:extLst>
           </p:cNvPr>
@@ -4057,7 +4346,7 @@
         </p:nvSpPr>
         <p:spPr>
           <a:xfrm>
-            <a:off x="1730610" y="5077271"/>
+            <a:off x="9202725" y="2600517"/>
             <a:ext cx="1386942" cy="552322"/>
           </a:xfrm>
           <a:prstGeom prst="ellipse">
@@ -4084,19 +4373,219 @@
           <a:p>
             <a:pPr algn="ctr"/>
             <a:r>
-              <a:rPr lang="ko-KR" altLang="en-US" dirty="0"/>
-              <a:t>내구도</a:t>
+              <a:rPr lang="ko-KR" altLang="en-US" dirty="0" err="1"/>
+              <a:t>방제목</a:t>
             </a:r>
             <a:endParaRPr lang="en-US" altLang="ko-KR" dirty="0"/>
           </a:p>
         </p:txBody>
       </p:sp>
-      <p:sp>
-        <p:nvSpPr>
-          <p:cNvPr id="25" name="타원 24">
-            <a:extLst>
-              <a:ext uri="{FF2B5EF4-FFF2-40B4-BE49-F238E27FC236}">
-                <a16:creationId xmlns:a16="http://schemas.microsoft.com/office/drawing/2014/main" id="{8910C165-2039-4155-84C1-FCCC6B742723}"/>
+      <p:cxnSp>
+        <p:nvCxnSpPr>
+          <p:cNvPr id="57" name="직선 연결선 56">
+            <a:extLst>
+              <a:ext uri="{FF2B5EF4-FFF2-40B4-BE49-F238E27FC236}">
+                <a16:creationId xmlns:a16="http://schemas.microsoft.com/office/drawing/2014/main" id="{6B81B5D0-17EC-4EA0-AD6C-5E87F533E6A4}"/>
+              </a:ext>
+            </a:extLst>
+          </p:cNvPr>
+          <p:cNvCxnSpPr>
+            <a:cxnSpLocks/>
+            <a:stCxn id="30" idx="4"/>
+            <a:endCxn id="29" idx="0"/>
+          </p:cNvCxnSpPr>
+          <p:nvPr/>
+        </p:nvCxnSpPr>
+        <p:spPr>
+          <a:xfrm>
+            <a:off x="9546392" y="1051463"/>
+            <a:ext cx="0" cy="441858"/>
+          </a:xfrm>
+          <a:prstGeom prst="line">
+            <a:avLst/>
+          </a:prstGeom>
+        </p:spPr>
+        <p:style>
+          <a:lnRef idx="2">
+            <a:schemeClr val="dk1"/>
+          </a:lnRef>
+          <a:fillRef idx="0">
+            <a:schemeClr val="dk1"/>
+          </a:fillRef>
+          <a:effectRef idx="1">
+            <a:schemeClr val="dk1"/>
+          </a:effectRef>
+          <a:fontRef idx="minor">
+            <a:schemeClr val="tx1"/>
+          </a:fontRef>
+        </p:style>
+      </p:cxnSp>
+      <p:cxnSp>
+        <p:nvCxnSpPr>
+          <p:cNvPr id="60" name="직선 연결선 59">
+            <a:extLst>
+              <a:ext uri="{FF2B5EF4-FFF2-40B4-BE49-F238E27FC236}">
+                <a16:creationId xmlns:a16="http://schemas.microsoft.com/office/drawing/2014/main" id="{6F6419E2-D9A0-4759-ADDF-7543CDADDE2D}"/>
+              </a:ext>
+            </a:extLst>
+          </p:cNvPr>
+          <p:cNvCxnSpPr>
+            <a:cxnSpLocks/>
+            <a:stCxn id="28" idx="5"/>
+            <a:endCxn id="29" idx="0"/>
+          </p:cNvCxnSpPr>
+          <p:nvPr/>
+        </p:nvCxnSpPr>
+        <p:spPr>
+          <a:xfrm>
+            <a:off x="8293868" y="1136274"/>
+            <a:ext cx="1252524" cy="357047"/>
+          </a:xfrm>
+          <a:prstGeom prst="line">
+            <a:avLst/>
+          </a:prstGeom>
+        </p:spPr>
+        <p:style>
+          <a:lnRef idx="2">
+            <a:schemeClr val="dk1"/>
+          </a:lnRef>
+          <a:fillRef idx="0">
+            <a:schemeClr val="dk1"/>
+          </a:fillRef>
+          <a:effectRef idx="1">
+            <a:schemeClr val="dk1"/>
+          </a:effectRef>
+          <a:fontRef idx="minor">
+            <a:schemeClr val="tx1"/>
+          </a:fontRef>
+        </p:style>
+      </p:cxnSp>
+      <p:cxnSp>
+        <p:nvCxnSpPr>
+          <p:cNvPr id="63" name="직선 연결선 62">
+            <a:extLst>
+              <a:ext uri="{FF2B5EF4-FFF2-40B4-BE49-F238E27FC236}">
+                <a16:creationId xmlns:a16="http://schemas.microsoft.com/office/drawing/2014/main" id="{61B5F425-5DF2-4F69-AB0F-D550D1A5B305}"/>
+              </a:ext>
+            </a:extLst>
+          </p:cNvPr>
+          <p:cNvCxnSpPr>
+            <a:cxnSpLocks/>
+            <a:stCxn id="31" idx="4"/>
+            <a:endCxn id="29" idx="0"/>
+          </p:cNvCxnSpPr>
+          <p:nvPr/>
+        </p:nvCxnSpPr>
+        <p:spPr>
+          <a:xfrm flipH="1">
+            <a:off x="9546392" y="1138403"/>
+            <a:ext cx="1644691" cy="354918"/>
+          </a:xfrm>
+          <a:prstGeom prst="line">
+            <a:avLst/>
+          </a:prstGeom>
+        </p:spPr>
+        <p:style>
+          <a:lnRef idx="2">
+            <a:schemeClr val="dk1"/>
+          </a:lnRef>
+          <a:fillRef idx="0">
+            <a:schemeClr val="dk1"/>
+          </a:fillRef>
+          <a:effectRef idx="1">
+            <a:schemeClr val="dk1"/>
+          </a:effectRef>
+          <a:fontRef idx="minor">
+            <a:schemeClr val="tx1"/>
+          </a:fontRef>
+        </p:style>
+      </p:cxnSp>
+      <p:cxnSp>
+        <p:nvCxnSpPr>
+          <p:cNvPr id="66" name="직선 연결선 65">
+            <a:extLst>
+              <a:ext uri="{FF2B5EF4-FFF2-40B4-BE49-F238E27FC236}">
+                <a16:creationId xmlns:a16="http://schemas.microsoft.com/office/drawing/2014/main" id="{D42251CD-7180-46E1-B2ED-3DA8ED8786E6}"/>
+              </a:ext>
+            </a:extLst>
+          </p:cNvPr>
+          <p:cNvCxnSpPr>
+            <a:cxnSpLocks/>
+            <a:stCxn id="32" idx="2"/>
+            <a:endCxn id="29" idx="3"/>
+          </p:cNvCxnSpPr>
+          <p:nvPr/>
+        </p:nvCxnSpPr>
+        <p:spPr>
+          <a:xfrm flipH="1" flipV="1">
+            <a:off x="10298164" y="1769482"/>
+            <a:ext cx="225020" cy="147795"/>
+          </a:xfrm>
+          <a:prstGeom prst="line">
+            <a:avLst/>
+          </a:prstGeom>
+        </p:spPr>
+        <p:style>
+          <a:lnRef idx="2">
+            <a:schemeClr val="dk1"/>
+          </a:lnRef>
+          <a:fillRef idx="0">
+            <a:schemeClr val="dk1"/>
+          </a:fillRef>
+          <a:effectRef idx="1">
+            <a:schemeClr val="dk1"/>
+          </a:effectRef>
+          <a:fontRef idx="minor">
+            <a:schemeClr val="tx1"/>
+          </a:fontRef>
+        </p:style>
+      </p:cxnSp>
+      <p:cxnSp>
+        <p:nvCxnSpPr>
+          <p:cNvPr id="69" name="직선 연결선 68">
+            <a:extLst>
+              <a:ext uri="{FF2B5EF4-FFF2-40B4-BE49-F238E27FC236}">
+                <a16:creationId xmlns:a16="http://schemas.microsoft.com/office/drawing/2014/main" id="{423AACB9-5BB3-4A32-9C30-5FB02FE735B3}"/>
+              </a:ext>
+            </a:extLst>
+          </p:cNvPr>
+          <p:cNvCxnSpPr>
+            <a:cxnSpLocks/>
+            <a:stCxn id="56" idx="0"/>
+            <a:endCxn id="29" idx="2"/>
+          </p:cNvCxnSpPr>
+          <p:nvPr/>
+        </p:nvCxnSpPr>
+        <p:spPr>
+          <a:xfrm flipH="1" flipV="1">
+            <a:off x="9546392" y="2045643"/>
+            <a:ext cx="349804" cy="554874"/>
+          </a:xfrm>
+          <a:prstGeom prst="line">
+            <a:avLst/>
+          </a:prstGeom>
+        </p:spPr>
+        <p:style>
+          <a:lnRef idx="2">
+            <a:schemeClr val="dk1"/>
+          </a:lnRef>
+          <a:fillRef idx="0">
+            <a:schemeClr val="dk1"/>
+          </a:fillRef>
+          <a:effectRef idx="1">
+            <a:schemeClr val="dk1"/>
+          </a:effectRef>
+          <a:fontRef idx="minor">
+            <a:schemeClr val="tx1"/>
+          </a:fontRef>
+        </p:style>
+      </p:cxnSp>
+      <p:sp>
+        <p:nvSpPr>
+          <p:cNvPr id="72" name="다이아몬드 71">
+            <a:extLst>
+              <a:ext uri="{FF2B5EF4-FFF2-40B4-BE49-F238E27FC236}">
+                <a16:creationId xmlns:a16="http://schemas.microsoft.com/office/drawing/2014/main" id="{6634C730-88AC-435F-BE76-734D992E17B6}"/>
               </a:ext>
             </a:extLst>
           </p:cNvPr>
@@ -4105,10 +4594,10 @@
         </p:nvSpPr>
         <p:spPr>
           <a:xfrm>
-            <a:off x="3375301" y="5164211"/>
-            <a:ext cx="1386942" cy="552322"/>
-          </a:xfrm>
-          <a:prstGeom prst="ellipse">
+            <a:off x="1898564" y="2651146"/>
+            <a:ext cx="1961554" cy="902122"/>
+          </a:xfrm>
+          <a:prstGeom prst="diamond">
             <a:avLst/>
           </a:prstGeom>
         </p:spPr>
@@ -4133,18 +4622,100 @@
             <a:pPr algn="ctr"/>
             <a:r>
               <a:rPr lang="ko-KR" altLang="en-US" dirty="0"/>
-              <a:t>설명</a:t>
+              <a:t>소유</a:t>
             </a:r>
             <a:endParaRPr lang="en-US" altLang="ko-KR" dirty="0"/>
           </a:p>
         </p:txBody>
       </p:sp>
-      <p:sp>
-        <p:nvSpPr>
-          <p:cNvPr id="26" name="타원 25">
-            <a:extLst>
-              <a:ext uri="{FF2B5EF4-FFF2-40B4-BE49-F238E27FC236}">
-                <a16:creationId xmlns:a16="http://schemas.microsoft.com/office/drawing/2014/main" id="{44689E03-AAD1-4C5B-BB6E-7DFF50E42F5F}"/>
+      <p:cxnSp>
+        <p:nvCxnSpPr>
+          <p:cNvPr id="73" name="직선 연결선 72">
+            <a:extLst>
+              <a:ext uri="{FF2B5EF4-FFF2-40B4-BE49-F238E27FC236}">
+                <a16:creationId xmlns:a16="http://schemas.microsoft.com/office/drawing/2014/main" id="{2C0F17D5-3181-41C4-8865-CFF7B2BC8C2F}"/>
+              </a:ext>
+            </a:extLst>
+          </p:cNvPr>
+          <p:cNvCxnSpPr>
+            <a:cxnSpLocks/>
+            <a:stCxn id="72" idx="2"/>
+            <a:endCxn id="33" idx="0"/>
+          </p:cNvCxnSpPr>
+          <p:nvPr/>
+        </p:nvCxnSpPr>
+        <p:spPr>
+          <a:xfrm flipH="1">
+            <a:off x="1769689" y="3553268"/>
+            <a:ext cx="1109652" cy="669442"/>
+          </a:xfrm>
+          <a:prstGeom prst="line">
+            <a:avLst/>
+          </a:prstGeom>
+          <a:ln w="44450" cmpd="dbl"/>
+        </p:spPr>
+        <p:style>
+          <a:lnRef idx="2">
+            <a:schemeClr val="dk1"/>
+          </a:lnRef>
+          <a:fillRef idx="0">
+            <a:schemeClr val="dk1"/>
+          </a:fillRef>
+          <a:effectRef idx="1">
+            <a:schemeClr val="dk1"/>
+          </a:effectRef>
+          <a:fontRef idx="minor">
+            <a:schemeClr val="tx1"/>
+          </a:fontRef>
+        </p:style>
+      </p:cxnSp>
+      <p:cxnSp>
+        <p:nvCxnSpPr>
+          <p:cNvPr id="76" name="직선 연결선 75">
+            <a:extLst>
+              <a:ext uri="{FF2B5EF4-FFF2-40B4-BE49-F238E27FC236}">
+                <a16:creationId xmlns:a16="http://schemas.microsoft.com/office/drawing/2014/main" id="{46324755-472D-41CE-9256-691CF02ED10A}"/>
+              </a:ext>
+            </a:extLst>
+          </p:cNvPr>
+          <p:cNvCxnSpPr>
+            <a:cxnSpLocks/>
+            <a:stCxn id="5" idx="2"/>
+            <a:endCxn id="72" idx="0"/>
+          </p:cNvCxnSpPr>
+          <p:nvPr/>
+        </p:nvCxnSpPr>
+        <p:spPr>
+          <a:xfrm flipH="1">
+            <a:off x="2879341" y="1917277"/>
+            <a:ext cx="535851" cy="733869"/>
+          </a:xfrm>
+          <a:prstGeom prst="line">
+            <a:avLst/>
+          </a:prstGeom>
+          <a:ln w="47625" cmpd="dbl"/>
+        </p:spPr>
+        <p:style>
+          <a:lnRef idx="2">
+            <a:schemeClr val="dk1"/>
+          </a:lnRef>
+          <a:fillRef idx="0">
+            <a:schemeClr val="dk1"/>
+          </a:fillRef>
+          <a:effectRef idx="1">
+            <a:schemeClr val="dk1"/>
+          </a:effectRef>
+          <a:fontRef idx="minor">
+            <a:schemeClr val="tx1"/>
+          </a:fontRef>
+        </p:style>
+      </p:cxnSp>
+      <p:sp>
+        <p:nvSpPr>
+          <p:cNvPr id="79" name="다이아몬드 78">
+            <a:extLst>
+              <a:ext uri="{FF2B5EF4-FFF2-40B4-BE49-F238E27FC236}">
+                <a16:creationId xmlns:a16="http://schemas.microsoft.com/office/drawing/2014/main" id="{CC947658-6D31-496E-84B5-EF46261E444A}"/>
               </a:ext>
             </a:extLst>
           </p:cNvPr>
@@ -4153,10 +4724,10 @@
         </p:nvSpPr>
         <p:spPr>
           <a:xfrm>
-            <a:off x="3163576" y="4199760"/>
-            <a:ext cx="1386942" cy="552322"/>
-          </a:xfrm>
-          <a:prstGeom prst="ellipse">
+            <a:off x="4069801" y="3429000"/>
+            <a:ext cx="1961554" cy="902122"/>
+          </a:xfrm>
+          <a:prstGeom prst="diamond">
             <a:avLst/>
           </a:prstGeom>
         </p:spPr>
@@ -4181,18 +4752,100 @@
             <a:pPr algn="ctr"/>
             <a:r>
               <a:rPr lang="ko-KR" altLang="en-US" dirty="0"/>
-              <a:t>아이콘</a:t>
+              <a:t>소유</a:t>
             </a:r>
             <a:endParaRPr lang="en-US" altLang="ko-KR" dirty="0"/>
           </a:p>
         </p:txBody>
       </p:sp>
-      <p:sp>
-        <p:nvSpPr>
-          <p:cNvPr id="27" name="타원 26">
-            <a:extLst>
-              <a:ext uri="{FF2B5EF4-FFF2-40B4-BE49-F238E27FC236}">
-                <a16:creationId xmlns:a16="http://schemas.microsoft.com/office/drawing/2014/main" id="{24ECFF13-8075-4898-9DDD-0D252F4F0C8C}"/>
+      <p:cxnSp>
+        <p:nvCxnSpPr>
+          <p:cNvPr id="82" name="직선 연결선 81">
+            <a:extLst>
+              <a:ext uri="{FF2B5EF4-FFF2-40B4-BE49-F238E27FC236}">
+                <a16:creationId xmlns:a16="http://schemas.microsoft.com/office/drawing/2014/main" id="{2541522E-886C-471B-8CD6-2EBB6D375310}"/>
+              </a:ext>
+            </a:extLst>
+          </p:cNvPr>
+          <p:cNvCxnSpPr>
+            <a:cxnSpLocks/>
+            <a:stCxn id="5" idx="2"/>
+            <a:endCxn id="79" idx="0"/>
+          </p:cNvCxnSpPr>
+          <p:nvPr/>
+        </p:nvCxnSpPr>
+        <p:spPr>
+          <a:xfrm>
+            <a:off x="3415192" y="1917277"/>
+            <a:ext cx="1635386" cy="1511723"/>
+          </a:xfrm>
+          <a:prstGeom prst="line">
+            <a:avLst/>
+          </a:prstGeom>
+          <a:ln w="47625" cmpd="dbl"/>
+        </p:spPr>
+        <p:style>
+          <a:lnRef idx="2">
+            <a:schemeClr val="dk1"/>
+          </a:lnRef>
+          <a:fillRef idx="0">
+            <a:schemeClr val="dk1"/>
+          </a:fillRef>
+          <a:effectRef idx="1">
+            <a:schemeClr val="dk1"/>
+          </a:effectRef>
+          <a:fontRef idx="minor">
+            <a:schemeClr val="tx1"/>
+          </a:fontRef>
+        </p:style>
+      </p:cxnSp>
+      <p:cxnSp>
+        <p:nvCxnSpPr>
+          <p:cNvPr id="85" name="직선 연결선 84">
+            <a:extLst>
+              <a:ext uri="{FF2B5EF4-FFF2-40B4-BE49-F238E27FC236}">
+                <a16:creationId xmlns:a16="http://schemas.microsoft.com/office/drawing/2014/main" id="{978E6924-0416-46FB-94EC-E67625325854}"/>
+              </a:ext>
+            </a:extLst>
+          </p:cNvPr>
+          <p:cNvCxnSpPr>
+            <a:cxnSpLocks/>
+            <a:stCxn id="79" idx="2"/>
+            <a:endCxn id="36" idx="0"/>
+          </p:cNvCxnSpPr>
+          <p:nvPr/>
+        </p:nvCxnSpPr>
+        <p:spPr>
+          <a:xfrm>
+            <a:off x="5050578" y="4331122"/>
+            <a:ext cx="963809" cy="380489"/>
+          </a:xfrm>
+          <a:prstGeom prst="line">
+            <a:avLst/>
+          </a:prstGeom>
+          <a:ln w="44450" cmpd="dbl"/>
+        </p:spPr>
+        <p:style>
+          <a:lnRef idx="2">
+            <a:schemeClr val="dk1"/>
+          </a:lnRef>
+          <a:fillRef idx="0">
+            <a:schemeClr val="dk1"/>
+          </a:fillRef>
+          <a:effectRef idx="1">
+            <a:schemeClr val="dk1"/>
+          </a:effectRef>
+          <a:fontRef idx="minor">
+            <a:schemeClr val="tx1"/>
+          </a:fontRef>
+        </p:style>
+      </p:cxnSp>
+      <p:sp>
+        <p:nvSpPr>
+          <p:cNvPr id="88" name="다이아몬드 87">
+            <a:extLst>
+              <a:ext uri="{FF2B5EF4-FFF2-40B4-BE49-F238E27FC236}">
+                <a16:creationId xmlns:a16="http://schemas.microsoft.com/office/drawing/2014/main" id="{578DA14B-C2EF-4986-B044-A8322B8A9CDA}"/>
               </a:ext>
             </a:extLst>
           </p:cNvPr>
@@ -4201,10 +4854,10 @@
         </p:nvSpPr>
         <p:spPr>
           <a:xfrm>
-            <a:off x="47047" y="4277568"/>
-            <a:ext cx="1386942" cy="552322"/>
-          </a:xfrm>
-          <a:prstGeom prst="ellipse">
+            <a:off x="5203189" y="1364955"/>
+            <a:ext cx="1961554" cy="902122"/>
+          </a:xfrm>
+          <a:prstGeom prst="diamond">
             <a:avLst/>
           </a:prstGeom>
         </p:spPr>
@@ -4229,30 +4882,34 @@
             <a:pPr algn="ctr"/>
             <a:r>
               <a:rPr lang="ko-KR" altLang="en-US" dirty="0"/>
-              <a:t>모델링</a:t>
+              <a:t>참여</a:t>
             </a:r>
             <a:endParaRPr lang="en-US" altLang="ko-KR" dirty="0"/>
           </a:p>
         </p:txBody>
       </p:sp>
-      <p:sp>
-        <p:nvSpPr>
-          <p:cNvPr id="28" name="타원 27">
-            <a:extLst>
-              <a:ext uri="{FF2B5EF4-FFF2-40B4-BE49-F238E27FC236}">
-                <a16:creationId xmlns:a16="http://schemas.microsoft.com/office/drawing/2014/main" id="{72756364-987D-4856-B37B-658D10F877F2}"/>
-              </a:ext>
-            </a:extLst>
-          </p:cNvPr>
-          <p:cNvSpPr/>
+      <p:cxnSp>
+        <p:nvCxnSpPr>
+          <p:cNvPr id="92" name="직선 연결선 91">
+            <a:extLst>
+              <a:ext uri="{FF2B5EF4-FFF2-40B4-BE49-F238E27FC236}">
+                <a16:creationId xmlns:a16="http://schemas.microsoft.com/office/drawing/2014/main" id="{456FC7C2-6684-4275-A08D-05F9F3545DAC}"/>
+              </a:ext>
+            </a:extLst>
+          </p:cNvPr>
+          <p:cNvCxnSpPr>
+            <a:cxnSpLocks/>
+            <a:stCxn id="88" idx="1"/>
+            <a:endCxn id="5" idx="3"/>
+          </p:cNvCxnSpPr>
           <p:nvPr/>
-        </p:nvSpPr>
-        <p:spPr>
-          <a:xfrm>
-            <a:off x="7110039" y="664838"/>
-            <a:ext cx="1386942" cy="552322"/>
-          </a:xfrm>
-          <a:prstGeom prst="ellipse">
+        </p:nvCxnSpPr>
+        <p:spPr>
+          <a:xfrm flipH="1" flipV="1">
+            <a:off x="4166964" y="1641116"/>
+            <a:ext cx="1036225" cy="174900"/>
+          </a:xfrm>
+          <a:prstGeom prst="line">
             <a:avLst/>
           </a:prstGeom>
         </p:spPr>
@@ -4260,220 +4917,58 @@
           <a:lnRef idx="2">
             <a:schemeClr val="dk1"/>
           </a:lnRef>
-          <a:fillRef idx="1">
-            <a:schemeClr val="lt1"/>
+          <a:fillRef idx="0">
+            <a:schemeClr val="dk1"/>
           </a:fillRef>
-          <a:effectRef idx="0">
+          <a:effectRef idx="1">
             <a:schemeClr val="dk1"/>
           </a:effectRef>
           <a:fontRef idx="minor">
-            <a:schemeClr val="dk1"/>
+            <a:schemeClr val="tx1"/>
           </a:fontRef>
         </p:style>
-        <p:txBody>
-          <a:bodyPr rtlCol="0" anchor="ctr"/>
-          <a:lstStyle/>
-          <a:p>
-            <a:pPr algn="ctr"/>
-            <a:r>
-              <a:rPr lang="ko-KR" altLang="en-US" u="sng" dirty="0" err="1"/>
-              <a:t>호스트닉네임</a:t>
-            </a:r>
-            <a:endParaRPr lang="en-US" altLang="ko-KR" u="sng" dirty="0"/>
-          </a:p>
-        </p:txBody>
-      </p:sp>
-      <p:sp>
-        <p:nvSpPr>
-          <p:cNvPr id="29" name="직사각형 28">
-            <a:extLst>
-              <a:ext uri="{FF2B5EF4-FFF2-40B4-BE49-F238E27FC236}">
-                <a16:creationId xmlns:a16="http://schemas.microsoft.com/office/drawing/2014/main" id="{2744EFCE-8257-4D59-9017-959BB2CC56E0}"/>
-              </a:ext>
-            </a:extLst>
-          </p:cNvPr>
-          <p:cNvSpPr/>
+      </p:cxnSp>
+      <p:cxnSp>
+        <p:nvCxnSpPr>
+          <p:cNvPr id="100" name="직선 연결선 99">
+            <a:extLst>
+              <a:ext uri="{FF2B5EF4-FFF2-40B4-BE49-F238E27FC236}">
+                <a16:creationId xmlns:a16="http://schemas.microsoft.com/office/drawing/2014/main" id="{2DBDADC0-534C-4549-ABBD-1DAAC8DB85EB}"/>
+              </a:ext>
+            </a:extLst>
+          </p:cNvPr>
+          <p:cNvCxnSpPr>
+            <a:cxnSpLocks/>
+            <a:stCxn id="88" idx="3"/>
+            <a:endCxn id="29" idx="1"/>
+          </p:cNvCxnSpPr>
           <p:nvPr/>
-        </p:nvSpPr>
-        <p:spPr>
-          <a:xfrm>
-            <a:off x="8794620" y="1493321"/>
-            <a:ext cx="1503544" cy="552322"/>
-          </a:xfrm>
-          <a:prstGeom prst="rect">
+        </p:nvCxnSpPr>
+        <p:spPr>
+          <a:xfrm flipV="1">
+            <a:off x="7164743" y="1769482"/>
+            <a:ext cx="1629877" cy="46534"/>
+          </a:xfrm>
+          <a:prstGeom prst="line">
             <a:avLst/>
           </a:prstGeom>
+          <a:ln w="47625" cmpd="dbl"/>
         </p:spPr>
         <p:style>
           <a:lnRef idx="2">
             <a:schemeClr val="dk1"/>
           </a:lnRef>
-          <a:fillRef idx="1">
-            <a:schemeClr val="lt1"/>
+          <a:fillRef idx="0">
+            <a:schemeClr val="dk1"/>
           </a:fillRef>
-          <a:effectRef idx="0">
+          <a:effectRef idx="1">
             <a:schemeClr val="dk1"/>
           </a:effectRef>
           <a:fontRef idx="minor">
-            <a:schemeClr val="dk1"/>
+            <a:schemeClr val="tx1"/>
           </a:fontRef>
         </p:style>
-        <p:txBody>
-          <a:bodyPr rtlCol="0" anchor="ctr"/>
-          <a:lstStyle/>
-          <a:p>
-            <a:pPr algn="ctr"/>
-            <a:r>
-              <a:rPr lang="ko-KR" altLang="en-US" dirty="0"/>
-              <a:t>방</a:t>
-            </a:r>
-          </a:p>
-        </p:txBody>
-      </p:sp>
-      <p:sp>
-        <p:nvSpPr>
-          <p:cNvPr id="30" name="타원 29">
-            <a:extLst>
-              <a:ext uri="{FF2B5EF4-FFF2-40B4-BE49-F238E27FC236}">
-                <a16:creationId xmlns:a16="http://schemas.microsoft.com/office/drawing/2014/main" id="{22320691-4576-4273-8E19-BE57CD5E89C7}"/>
-              </a:ext>
-            </a:extLst>
-          </p:cNvPr>
-          <p:cNvSpPr/>
-          <p:nvPr/>
-        </p:nvSpPr>
-        <p:spPr>
-          <a:xfrm>
-            <a:off x="8852921" y="499141"/>
-            <a:ext cx="1386942" cy="552322"/>
-          </a:xfrm>
-          <a:prstGeom prst="ellipse">
-            <a:avLst/>
-          </a:prstGeom>
-        </p:spPr>
-        <p:style>
-          <a:lnRef idx="2">
-            <a:schemeClr val="dk1"/>
-          </a:lnRef>
-          <a:fillRef idx="1">
-            <a:schemeClr val="lt1"/>
-          </a:fillRef>
-          <a:effectRef idx="0">
-            <a:schemeClr val="dk1"/>
-          </a:effectRef>
-          <a:fontRef idx="minor">
-            <a:schemeClr val="dk1"/>
-          </a:fontRef>
-        </p:style>
-        <p:txBody>
-          <a:bodyPr rtlCol="0" anchor="ctr"/>
-          <a:lstStyle/>
-          <a:p>
-            <a:pPr algn="ctr"/>
-            <a:r>
-              <a:rPr lang="ko-KR" altLang="en-US" dirty="0"/>
-              <a:t>인원</a:t>
-            </a:r>
-            <a:endParaRPr lang="en-US" altLang="ko-KR" dirty="0"/>
-          </a:p>
-        </p:txBody>
-      </p:sp>
-      <p:sp>
-        <p:nvSpPr>
-          <p:cNvPr id="31" name="타원 30">
-            <a:extLst>
-              <a:ext uri="{FF2B5EF4-FFF2-40B4-BE49-F238E27FC236}">
-                <a16:creationId xmlns:a16="http://schemas.microsoft.com/office/drawing/2014/main" id="{668A8152-BF50-43C2-B59B-905E7C7E4527}"/>
-              </a:ext>
-            </a:extLst>
-          </p:cNvPr>
-          <p:cNvSpPr/>
-          <p:nvPr/>
-        </p:nvSpPr>
-        <p:spPr>
-          <a:xfrm>
-            <a:off x="10497612" y="586081"/>
-            <a:ext cx="1386942" cy="552322"/>
-          </a:xfrm>
-          <a:prstGeom prst="ellipse">
-            <a:avLst/>
-          </a:prstGeom>
-        </p:spPr>
-        <p:style>
-          <a:lnRef idx="2">
-            <a:schemeClr val="dk1"/>
-          </a:lnRef>
-          <a:fillRef idx="1">
-            <a:schemeClr val="lt1"/>
-          </a:fillRef>
-          <a:effectRef idx="0">
-            <a:schemeClr val="dk1"/>
-          </a:effectRef>
-          <a:fontRef idx="minor">
-            <a:schemeClr val="dk1"/>
-          </a:fontRef>
-        </p:style>
-        <p:txBody>
-          <a:bodyPr rtlCol="0" anchor="ctr"/>
-          <a:lstStyle/>
-          <a:p>
-            <a:pPr algn="ctr"/>
-            <a:r>
-              <a:rPr lang="ko-KR" altLang="en-US" dirty="0"/>
-              <a:t>유저목록</a:t>
-            </a:r>
-            <a:endParaRPr lang="en-US" altLang="ko-KR" dirty="0"/>
-          </a:p>
-        </p:txBody>
-      </p:sp>
-      <p:sp>
-        <p:nvSpPr>
-          <p:cNvPr id="32" name="타원 31">
-            <a:extLst>
-              <a:ext uri="{FF2B5EF4-FFF2-40B4-BE49-F238E27FC236}">
-                <a16:creationId xmlns:a16="http://schemas.microsoft.com/office/drawing/2014/main" id="{9DDDC0A9-7BE7-46D0-A473-840C5EDE6122}"/>
-              </a:ext>
-            </a:extLst>
-          </p:cNvPr>
-          <p:cNvSpPr/>
-          <p:nvPr/>
-        </p:nvSpPr>
-        <p:spPr>
-          <a:xfrm>
-            <a:off x="10523184" y="1641116"/>
-            <a:ext cx="1386942" cy="552322"/>
-          </a:xfrm>
-          <a:prstGeom prst="ellipse">
-            <a:avLst/>
-          </a:prstGeom>
-        </p:spPr>
-        <p:style>
-          <a:lnRef idx="2">
-            <a:schemeClr val="dk1"/>
-          </a:lnRef>
-          <a:fillRef idx="1">
-            <a:schemeClr val="lt1"/>
-          </a:fillRef>
-          <a:effectRef idx="0">
-            <a:schemeClr val="dk1"/>
-          </a:effectRef>
-          <a:fontRef idx="minor">
-            <a:schemeClr val="dk1"/>
-          </a:fontRef>
-        </p:style>
-        <p:txBody>
-          <a:bodyPr rtlCol="0" anchor="ctr"/>
-          <a:lstStyle/>
-          <a:p>
-            <a:pPr algn="ctr"/>
-            <a:r>
-              <a:rPr lang="ko-KR" altLang="en-US" dirty="0"/>
-              <a:t>유저접속여부</a:t>
-            </a:r>
-            <a:endParaRPr lang="en-US" altLang="ko-KR" dirty="0"/>
-          </a:p>
-        </p:txBody>
-      </p:sp>
+      </p:cxnSp>
     </p:spTree>
     <p:extLst>
       <p:ext uri="{BB962C8B-B14F-4D97-AF65-F5344CB8AC3E}">
@@ -4783,21 +5278,6 @@
 </file>
 
 <file path=customXml/item1.xml><?xml version="1.0" encoding="utf-8"?>
-<p:properties xmlns:p="http://schemas.microsoft.com/office/2006/metadata/properties" xmlns:xsi="http://www.w3.org/2001/XMLSchema-instance" xmlns:pc="http://schemas.microsoft.com/office/infopath/2007/PartnerControls">
-  <documentManagement/>
-</p:properties>
-</file>
-
-<file path=customXml/item2.xml><?xml version="1.0" encoding="utf-8"?>
-<?mso-contentType ?>
-<FormTemplates xmlns="http://schemas.microsoft.com/sharepoint/v3/contenttype/forms">
-  <Display>DocumentLibraryForm</Display>
-  <Edit>DocumentLibraryForm</Edit>
-  <New>DocumentLibraryForm</New>
-</FormTemplates>
-</file>
-
-<file path=customXml/item3.xml><?xml version="1.0" encoding="utf-8"?>
 <ct:contentTypeSchema xmlns:ct="http://schemas.microsoft.com/office/2006/metadata/contentType" xmlns:ma="http://schemas.microsoft.com/office/2006/metadata/properties/metaAttributes" ct:_="" ma:_="" ma:contentTypeName="문서" ma:contentTypeID="0x010100F8BADC0CF357174FA4AF0DB9CCB2C990" ma:contentTypeVersion="4" ma:contentTypeDescription="새 문서를 만듭니다." ma:contentTypeScope="" ma:versionID="8d311c536f35297bfd5f71d218a1cc68">
   <xsd:schema xmlns:xsd="http://www.w3.org/2001/XMLSchema" xmlns:xs="http://www.w3.org/2001/XMLSchema" xmlns:p="http://schemas.microsoft.com/office/2006/metadata/properties" xmlns:ns3="ccfd3946-8f19-43a6-b98f-2cdd678b068e" targetNamespace="http://schemas.microsoft.com/office/2006/metadata/properties" ma:root="true" ma:fieldsID="714a09505e89809d6a237f04cfd2290d" ns3:_="">
     <xsd:import namespace="ccfd3946-8f19-43a6-b98f-2cdd678b068e"/>
@@ -4943,31 +5423,22 @@
 </ct:contentTypeSchema>
 </file>
 
-<file path=customXml/itemProps1.xml><?xml version="1.0" encoding="utf-8"?>
-<ds:datastoreItem xmlns:ds="http://schemas.openxmlformats.org/officeDocument/2006/customXml" ds:itemID="{21C047C3-56CF-4705-9911-3A25DC2B5B65}">
-  <ds:schemaRefs>
-    <ds:schemaRef ds:uri="http://schemas.microsoft.com/office/2006/documentManagement/types"/>
-    <ds:schemaRef ds:uri="http://schemas.microsoft.com/office/2006/metadata/properties"/>
-    <ds:schemaRef ds:uri="http://purl.org/dc/dcmitype/"/>
-    <ds:schemaRef ds:uri="http://www.w3.org/XML/1998/namespace"/>
-    <ds:schemaRef ds:uri="http://schemas.openxmlformats.org/package/2006/metadata/core-properties"/>
-    <ds:schemaRef ds:uri="http://purl.org/dc/elements/1.1/"/>
-    <ds:schemaRef ds:uri="http://purl.org/dc/terms/"/>
-    <ds:schemaRef ds:uri="ccfd3946-8f19-43a6-b98f-2cdd678b068e"/>
-    <ds:schemaRef ds:uri="http://schemas.microsoft.com/office/infopath/2007/PartnerControls"/>
-  </ds:schemaRefs>
-</ds:datastoreItem>
+<file path=customXml/item2.xml><?xml version="1.0" encoding="utf-8"?>
+<?mso-contentType ?>
+<FormTemplates xmlns="http://schemas.microsoft.com/sharepoint/v3/contenttype/forms">
+  <Display>DocumentLibraryForm</Display>
+  <Edit>DocumentLibraryForm</Edit>
+  <New>DocumentLibraryForm</New>
+</FormTemplates>
 </file>
 
-<file path=customXml/itemProps2.xml><?xml version="1.0" encoding="utf-8"?>
-<ds:datastoreItem xmlns:ds="http://schemas.openxmlformats.org/officeDocument/2006/customXml" ds:itemID="{B8CCF581-223F-4DB2-AF68-27B3BF8341E0}">
-  <ds:schemaRefs>
-    <ds:schemaRef ds:uri="http://schemas.microsoft.com/sharepoint/v3/contenttype/forms"/>
-  </ds:schemaRefs>
-</ds:datastoreItem>
+<file path=customXml/item3.xml><?xml version="1.0" encoding="utf-8"?>
+<p:properties xmlns:p="http://schemas.microsoft.com/office/2006/metadata/properties" xmlns:xsi="http://www.w3.org/2001/XMLSchema-instance" xmlns:pc="http://schemas.microsoft.com/office/infopath/2007/PartnerControls">
+  <documentManagement/>
+</p:properties>
 </file>
 
-<file path=customXml/itemProps3.xml><?xml version="1.0" encoding="utf-8"?>
+<file path=customXml/itemProps1.xml><?xml version="1.0" encoding="utf-8"?>
 <ds:datastoreItem xmlns:ds="http://schemas.openxmlformats.org/officeDocument/2006/customXml" ds:itemID="{E32717A5-8B4C-4EA0-83E9-501EE7C5EE5A}">
   <ds:schemaRefs>
     <ds:schemaRef ds:uri="http://schemas.microsoft.com/office/2006/metadata/contentType"/>
@@ -4983,4 +5454,28 @@
     <ds:schemaRef ds:uri="http://schemas.microsoft.com/internal/obd"/>
   </ds:schemaRefs>
 </ds:datastoreItem>
+</file>
+
+<file path=customXml/itemProps2.xml><?xml version="1.0" encoding="utf-8"?>
+<ds:datastoreItem xmlns:ds="http://schemas.openxmlformats.org/officeDocument/2006/customXml" ds:itemID="{B8CCF581-223F-4DB2-AF68-27B3BF8341E0}">
+  <ds:schemaRefs>
+    <ds:schemaRef ds:uri="http://schemas.microsoft.com/sharepoint/v3/contenttype/forms"/>
+  </ds:schemaRefs>
+</ds:datastoreItem>
+</file>
+
+<file path=customXml/itemProps3.xml><?xml version="1.0" encoding="utf-8"?>
+<ds:datastoreItem xmlns:ds="http://schemas.openxmlformats.org/officeDocument/2006/customXml" ds:itemID="{21C047C3-56CF-4705-9911-3A25DC2B5B65}">
+  <ds:schemaRefs>
+    <ds:schemaRef ds:uri="http://schemas.microsoft.com/office/2006/documentManagement/types"/>
+    <ds:schemaRef ds:uri="http://schemas.microsoft.com/office/2006/metadata/properties"/>
+    <ds:schemaRef ds:uri="http://purl.org/dc/dcmitype/"/>
+    <ds:schemaRef ds:uri="http://www.w3.org/XML/1998/namespace"/>
+    <ds:schemaRef ds:uri="http://schemas.openxmlformats.org/package/2006/metadata/core-properties"/>
+    <ds:schemaRef ds:uri="http://purl.org/dc/elements/1.1/"/>
+    <ds:schemaRef ds:uri="http://purl.org/dc/terms/"/>
+    <ds:schemaRef ds:uri="ccfd3946-8f19-43a6-b98f-2cdd678b068e"/>
+    <ds:schemaRef ds:uri="http://schemas.microsoft.com/office/infopath/2007/PartnerControls"/>
+  </ds:schemaRefs>
+</ds:datastoreItem>
 </file>
--- a/document/ER모델.pptx
+++ b/document/ER모델.pptx
@@ -259,7 +259,7 @@
           <a:p>
             <a:fld id="{BC77C24B-2C50-4B4B-93E7-754CD84F63CC}" type="datetimeFigureOut">
               <a:rPr lang="ko-KR" altLang="en-US" smtClean="0"/>
-              <a:t>2022-02-04</a:t>
+              <a:t>2022-02-08</a:t>
             </a:fld>
             <a:endParaRPr lang="ko-KR" altLang="en-US"/>
           </a:p>
@@ -457,7 +457,7 @@
           <a:p>
             <a:fld id="{BC77C24B-2C50-4B4B-93E7-754CD84F63CC}" type="datetimeFigureOut">
               <a:rPr lang="ko-KR" altLang="en-US" smtClean="0"/>
-              <a:t>2022-02-04</a:t>
+              <a:t>2022-02-08</a:t>
             </a:fld>
             <a:endParaRPr lang="ko-KR" altLang="en-US"/>
           </a:p>
@@ -665,7 +665,7 @@
           <a:p>
             <a:fld id="{BC77C24B-2C50-4B4B-93E7-754CD84F63CC}" type="datetimeFigureOut">
               <a:rPr lang="ko-KR" altLang="en-US" smtClean="0"/>
-              <a:t>2022-02-04</a:t>
+              <a:t>2022-02-08</a:t>
             </a:fld>
             <a:endParaRPr lang="ko-KR" altLang="en-US"/>
           </a:p>
@@ -863,7 +863,7 @@
           <a:p>
             <a:fld id="{BC77C24B-2C50-4B4B-93E7-754CD84F63CC}" type="datetimeFigureOut">
               <a:rPr lang="ko-KR" altLang="en-US" smtClean="0"/>
-              <a:t>2022-02-04</a:t>
+              <a:t>2022-02-08</a:t>
             </a:fld>
             <a:endParaRPr lang="ko-KR" altLang="en-US"/>
           </a:p>
@@ -1138,7 +1138,7 @@
           <a:p>
             <a:fld id="{BC77C24B-2C50-4B4B-93E7-754CD84F63CC}" type="datetimeFigureOut">
               <a:rPr lang="ko-KR" altLang="en-US" smtClean="0"/>
-              <a:t>2022-02-04</a:t>
+              <a:t>2022-02-08</a:t>
             </a:fld>
             <a:endParaRPr lang="ko-KR" altLang="en-US"/>
           </a:p>
@@ -1403,7 +1403,7 @@
           <a:p>
             <a:fld id="{BC77C24B-2C50-4B4B-93E7-754CD84F63CC}" type="datetimeFigureOut">
               <a:rPr lang="ko-KR" altLang="en-US" smtClean="0"/>
-              <a:t>2022-02-04</a:t>
+              <a:t>2022-02-08</a:t>
             </a:fld>
             <a:endParaRPr lang="ko-KR" altLang="en-US"/>
           </a:p>
@@ -1815,7 +1815,7 @@
           <a:p>
             <a:fld id="{BC77C24B-2C50-4B4B-93E7-754CD84F63CC}" type="datetimeFigureOut">
               <a:rPr lang="ko-KR" altLang="en-US" smtClean="0"/>
-              <a:t>2022-02-04</a:t>
+              <a:t>2022-02-08</a:t>
             </a:fld>
             <a:endParaRPr lang="ko-KR" altLang="en-US"/>
           </a:p>
@@ -1956,7 +1956,7 @@
           <a:p>
             <a:fld id="{BC77C24B-2C50-4B4B-93E7-754CD84F63CC}" type="datetimeFigureOut">
               <a:rPr lang="ko-KR" altLang="en-US" smtClean="0"/>
-              <a:t>2022-02-04</a:t>
+              <a:t>2022-02-08</a:t>
             </a:fld>
             <a:endParaRPr lang="ko-KR" altLang="en-US"/>
           </a:p>
@@ -2069,7 +2069,7 @@
           <a:p>
             <a:fld id="{BC77C24B-2C50-4B4B-93E7-754CD84F63CC}" type="datetimeFigureOut">
               <a:rPr lang="ko-KR" altLang="en-US" smtClean="0"/>
-              <a:t>2022-02-04</a:t>
+              <a:t>2022-02-08</a:t>
             </a:fld>
             <a:endParaRPr lang="ko-KR" altLang="en-US"/>
           </a:p>
@@ -2380,7 +2380,7 @@
           <a:p>
             <a:fld id="{BC77C24B-2C50-4B4B-93E7-754CD84F63CC}" type="datetimeFigureOut">
               <a:rPr lang="ko-KR" altLang="en-US" smtClean="0"/>
-              <a:t>2022-02-04</a:t>
+              <a:t>2022-02-08</a:t>
             </a:fld>
             <a:endParaRPr lang="ko-KR" altLang="en-US"/>
           </a:p>
@@ -2668,7 +2668,7 @@
           <a:p>
             <a:fld id="{BC77C24B-2C50-4B4B-93E7-754CD84F63CC}" type="datetimeFigureOut">
               <a:rPr lang="ko-KR" altLang="en-US" smtClean="0"/>
-              <a:t>2022-02-04</a:t>
+              <a:t>2022-02-08</a:t>
             </a:fld>
             <a:endParaRPr lang="ko-KR" altLang="en-US"/>
           </a:p>
@@ -2909,7 +2909,7 @@
           <a:p>
             <a:fld id="{BC77C24B-2C50-4B4B-93E7-754CD84F63CC}" type="datetimeFigureOut">
               <a:rPr lang="ko-KR" altLang="en-US" smtClean="0"/>
-              <a:t>2022-02-04</a:t>
+              <a:t>2022-02-08</a:t>
             </a:fld>
             <a:endParaRPr lang="ko-KR" altLang="en-US"/>
           </a:p>
@@ -3578,7 +3578,7 @@
         </p:nvSpPr>
         <p:spPr>
           <a:xfrm>
-            <a:off x="7110039" y="664838"/>
+            <a:off x="7608461" y="4817509"/>
             <a:ext cx="1386942" cy="552322"/>
           </a:xfrm>
           <a:prstGeom prst="ellipse">
@@ -3626,7 +3626,7 @@
         </p:nvSpPr>
         <p:spPr>
           <a:xfrm>
-            <a:off x="8794620" y="1493321"/>
+            <a:off x="8469256" y="2702943"/>
             <a:ext cx="1503544" cy="552322"/>
           </a:xfrm>
           <a:prstGeom prst="rect">
@@ -3673,7 +3673,7 @@
         </p:nvSpPr>
         <p:spPr>
           <a:xfrm>
-            <a:off x="8852921" y="499141"/>
+            <a:off x="9190139" y="4988653"/>
             <a:ext cx="1386942" cy="552322"/>
           </a:xfrm>
           <a:prstGeom prst="ellipse">
@@ -3701,7 +3701,7 @@
             <a:pPr algn="ctr"/>
             <a:r>
               <a:rPr lang="ko-KR" altLang="en-US" dirty="0"/>
-              <a:t>인원</a:t>
+              <a:t>인원수</a:t>
             </a:r>
             <a:endParaRPr lang="en-US" altLang="ko-KR" dirty="0"/>
           </a:p>
@@ -3721,12 +3721,19 @@
         </p:nvSpPr>
         <p:spPr>
           <a:xfrm>
-            <a:off x="10497612" y="586081"/>
-            <a:ext cx="1386942" cy="552322"/>
+            <a:off x="9320846" y="1968366"/>
+            <a:ext cx="1586390" cy="570092"/>
           </a:xfrm>
           <a:prstGeom prst="ellipse">
             <a:avLst/>
           </a:prstGeom>
+          <a:ln w="82550" cmpd="dbl">
+            <a:solidFill>
+              <a:schemeClr val="dk1">
+                <a:alpha val="99000"/>
+              </a:schemeClr>
+            </a:solidFill>
+          </a:ln>
         </p:spPr>
         <p:style>
           <a:lnRef idx="2">
@@ -3749,7 +3756,7 @@
             <a:pPr algn="ctr"/>
             <a:r>
               <a:rPr lang="ko-KR" altLang="en-US" dirty="0"/>
-              <a:t>유저목록</a:t>
+              <a:t>참여유저</a:t>
             </a:r>
             <a:endParaRPr lang="en-US" altLang="ko-KR" dirty="0"/>
           </a:p>
@@ -3769,8 +3776,8 @@
         </p:nvSpPr>
         <p:spPr>
           <a:xfrm>
-            <a:off x="10523184" y="1641116"/>
-            <a:ext cx="1386942" cy="552322"/>
+            <a:off x="9804489" y="769003"/>
+            <a:ext cx="1715845" cy="552322"/>
           </a:xfrm>
           <a:prstGeom prst="ellipse">
             <a:avLst/>
@@ -3796,8 +3803,8 @@
           <a:p>
             <a:pPr algn="ctr"/>
             <a:r>
-              <a:rPr lang="ko-KR" altLang="en-US" dirty="0"/>
-              <a:t>유저접속여부</a:t>
+              <a:rPr lang="ko-KR" altLang="en-US"/>
+              <a:t>접속상태</a:t>
             </a:r>
             <a:endParaRPr lang="en-US" altLang="ko-KR" dirty="0"/>
           </a:p>
@@ -3945,7 +3952,7 @@
         </p:nvSpPr>
         <p:spPr>
           <a:xfrm>
-            <a:off x="4069801" y="5708211"/>
+            <a:off x="3545395" y="3879747"/>
             <a:ext cx="1386942" cy="552322"/>
           </a:xfrm>
           <a:prstGeom prst="ellipse">
@@ -3984,10 +3991,10 @@
       </p:sp>
       <p:sp>
         <p:nvSpPr>
-          <p:cNvPr id="36" name="직사각형 35">
-            <a:extLst>
-              <a:ext uri="{FF2B5EF4-FFF2-40B4-BE49-F238E27FC236}">
-                <a16:creationId xmlns:a16="http://schemas.microsoft.com/office/drawing/2014/main" id="{8CFDDFB0-73BC-4B18-91E0-81897EBB80A8}"/>
+          <p:cNvPr id="37" name="타원 36">
+            <a:extLst>
+              <a:ext uri="{FF2B5EF4-FFF2-40B4-BE49-F238E27FC236}">
+                <a16:creationId xmlns:a16="http://schemas.microsoft.com/office/drawing/2014/main" id="{F80E55FE-F34B-4A37-898A-5202505FC446}"/>
               </a:ext>
             </a:extLst>
           </p:cNvPr>
@@ -3996,10 +4003,10 @@
         </p:nvSpPr>
         <p:spPr>
           <a:xfrm>
-            <a:off x="5262615" y="4711611"/>
-            <a:ext cx="1503544" cy="552322"/>
-          </a:xfrm>
-          <a:prstGeom prst="rect">
+            <a:off x="4966089" y="3815958"/>
+            <a:ext cx="1386942" cy="552322"/>
+          </a:xfrm>
+          <a:prstGeom prst="ellipse">
             <a:avLst/>
           </a:prstGeom>
         </p:spPr>
@@ -4023,19 +4030,22 @@
           <a:p>
             <a:pPr algn="ctr"/>
             <a:r>
-              <a:rPr lang="ko-KR" altLang="en-US" dirty="0"/>
-              <a:t>커스터마이징</a:t>
-            </a:r>
-            <a:endParaRPr lang="en-US" altLang="ko-KR" dirty="0"/>
-          </a:p>
-        </p:txBody>
-      </p:sp>
-      <p:sp>
-        <p:nvSpPr>
-          <p:cNvPr id="37" name="타원 36">
-            <a:extLst>
-              <a:ext uri="{FF2B5EF4-FFF2-40B4-BE49-F238E27FC236}">
-                <a16:creationId xmlns:a16="http://schemas.microsoft.com/office/drawing/2014/main" id="{F80E55FE-F34B-4A37-898A-5202505FC446}"/>
+              <a:rPr lang="ko-KR" altLang="en-US" sz="1600" dirty="0"/>
+              <a:t>부위</a:t>
+            </a:r>
+            <a:r>
+              <a:rPr lang="en-US" altLang="ko-KR" sz="1600" dirty="0"/>
+              <a:t>N-1</a:t>
+            </a:r>
+          </a:p>
+        </p:txBody>
+      </p:sp>
+      <p:sp>
+        <p:nvSpPr>
+          <p:cNvPr id="38" name="타원 37">
+            <a:extLst>
+              <a:ext uri="{FF2B5EF4-FFF2-40B4-BE49-F238E27FC236}">
+                <a16:creationId xmlns:a16="http://schemas.microsoft.com/office/drawing/2014/main" id="{6B9186B1-4C05-4CF5-A872-37C844427F8F}"/>
               </a:ext>
             </a:extLst>
           </p:cNvPr>
@@ -4044,7 +4054,7 @@
         </p:nvSpPr>
         <p:spPr>
           <a:xfrm>
-            <a:off x="5490495" y="5644422"/>
+            <a:off x="6420536" y="3772485"/>
             <a:ext cx="1386942" cy="552322"/>
           </a:xfrm>
           <a:prstGeom prst="ellipse">
@@ -4076,58 +4086,7 @@
             </a:r>
             <a:r>
               <a:rPr lang="en-US" altLang="ko-KR" dirty="0"/>
-              <a:t>2</a:t>
-            </a:r>
-          </a:p>
-        </p:txBody>
-      </p:sp>
-      <p:sp>
-        <p:nvSpPr>
-          <p:cNvPr id="38" name="타원 37">
-            <a:extLst>
-              <a:ext uri="{FF2B5EF4-FFF2-40B4-BE49-F238E27FC236}">
-                <a16:creationId xmlns:a16="http://schemas.microsoft.com/office/drawing/2014/main" id="{6B9186B1-4C05-4CF5-A872-37C844427F8F}"/>
-              </a:ext>
-            </a:extLst>
-          </p:cNvPr>
-          <p:cNvSpPr/>
-          <p:nvPr/>
-        </p:nvSpPr>
-        <p:spPr>
-          <a:xfrm>
-            <a:off x="6944942" y="5600949"/>
-            <a:ext cx="1386942" cy="552322"/>
-          </a:xfrm>
-          <a:prstGeom prst="ellipse">
-            <a:avLst/>
-          </a:prstGeom>
-        </p:spPr>
-        <p:style>
-          <a:lnRef idx="2">
-            <a:schemeClr val="dk1"/>
-          </a:lnRef>
-          <a:fillRef idx="1">
-            <a:schemeClr val="lt1"/>
-          </a:fillRef>
-          <a:effectRef idx="0">
-            <a:schemeClr val="dk1"/>
-          </a:effectRef>
-          <a:fontRef idx="minor">
-            <a:schemeClr val="dk1"/>
-          </a:fontRef>
-        </p:style>
-        <p:txBody>
-          <a:bodyPr rtlCol="0" anchor="ctr"/>
-          <a:lstStyle/>
-          <a:p>
-            <a:pPr algn="ctr"/>
-            <a:r>
-              <a:rPr lang="ko-KR" altLang="en-US" dirty="0"/>
-              <a:t>부위</a:t>
-            </a:r>
-            <a:r>
-              <a:rPr lang="en-US" altLang="ko-KR" dirty="0"/>
-              <a:t>3</a:t>
+              <a:t>N</a:t>
             </a:r>
           </a:p>
         </p:txBody>
@@ -4143,15 +4102,15 @@
           </p:cNvPr>
           <p:cNvCxnSpPr>
             <a:cxnSpLocks/>
-            <a:stCxn id="36" idx="2"/>
+            <a:stCxn id="78" idx="4"/>
             <a:endCxn id="35" idx="0"/>
           </p:cNvCxnSpPr>
           <p:nvPr/>
         </p:nvCxnSpPr>
         <p:spPr>
           <a:xfrm flipH="1">
-            <a:off x="4763272" y="5263933"/>
-            <a:ext cx="1251115" cy="444278"/>
+            <a:off x="4238866" y="3446626"/>
+            <a:ext cx="686322" cy="433121"/>
           </a:xfrm>
           <a:prstGeom prst="line">
             <a:avLst/>
@@ -4183,15 +4142,15 @@
           </p:cNvPr>
           <p:cNvCxnSpPr>
             <a:cxnSpLocks/>
-            <a:stCxn id="36" idx="2"/>
+            <a:stCxn id="78" idx="4"/>
             <a:endCxn id="37" idx="0"/>
           </p:cNvCxnSpPr>
           <p:nvPr/>
         </p:nvCxnSpPr>
         <p:spPr>
           <a:xfrm>
-            <a:off x="6014387" y="5263933"/>
-            <a:ext cx="169579" cy="380489"/>
+            <a:off x="4925188" y="3446626"/>
+            <a:ext cx="734372" cy="369332"/>
           </a:xfrm>
           <a:prstGeom prst="line">
             <a:avLst/>
@@ -4223,15 +4182,15 @@
           </p:cNvPr>
           <p:cNvCxnSpPr>
             <a:cxnSpLocks/>
-            <a:stCxn id="36" idx="2"/>
+            <a:stCxn id="78" idx="4"/>
             <a:endCxn id="38" idx="0"/>
           </p:cNvCxnSpPr>
           <p:nvPr/>
         </p:nvCxnSpPr>
         <p:spPr>
           <a:xfrm>
-            <a:off x="6014387" y="5263933"/>
-            <a:ext cx="1624026" cy="337016"/>
+            <a:off x="4925188" y="3446626"/>
+            <a:ext cx="2188819" cy="325859"/>
           </a:xfrm>
           <a:prstGeom prst="line">
             <a:avLst/>
@@ -4346,7 +4305,7 @@
         </p:nvSpPr>
         <p:spPr>
           <a:xfrm>
-            <a:off x="9202725" y="2600517"/>
+            <a:off x="9852721" y="4288592"/>
             <a:ext cx="1386942" cy="552322"/>
           </a:xfrm>
           <a:prstGeom prst="ellipse">
@@ -4391,15 +4350,15 @@
           </p:cNvPr>
           <p:cNvCxnSpPr>
             <a:cxnSpLocks/>
-            <a:stCxn id="30" idx="4"/>
-            <a:endCxn id="29" idx="0"/>
+            <a:stCxn id="30" idx="0"/>
+            <a:endCxn id="29" idx="2"/>
           </p:cNvCxnSpPr>
           <p:nvPr/>
         </p:nvCxnSpPr>
         <p:spPr>
-          <a:xfrm>
-            <a:off x="9546392" y="1051463"/>
-            <a:ext cx="0" cy="441858"/>
+          <a:xfrm flipH="1" flipV="1">
+            <a:off x="9221028" y="3255265"/>
+            <a:ext cx="662582" cy="1733388"/>
           </a:xfrm>
           <a:prstGeom prst="line">
             <a:avLst/>
@@ -4431,15 +4390,15 @@
           </p:cNvPr>
           <p:cNvCxnSpPr>
             <a:cxnSpLocks/>
-            <a:stCxn id="28" idx="5"/>
-            <a:endCxn id="29" idx="0"/>
+            <a:stCxn id="28" idx="0"/>
+            <a:endCxn id="29" idx="2"/>
           </p:cNvCxnSpPr>
           <p:nvPr/>
         </p:nvCxnSpPr>
         <p:spPr>
-          <a:xfrm>
-            <a:off x="8293868" y="1136274"/>
-            <a:ext cx="1252524" cy="357047"/>
+          <a:xfrm flipV="1">
+            <a:off x="8301932" y="3255265"/>
+            <a:ext cx="919096" cy="1562244"/>
           </a:xfrm>
           <a:prstGeom prst="line">
             <a:avLst/>
@@ -4478,8 +4437,8 @@
         </p:nvCxnSpPr>
         <p:spPr>
           <a:xfrm flipH="1">
-            <a:off x="9546392" y="1138403"/>
-            <a:ext cx="1644691" cy="354918"/>
+            <a:off x="9221028" y="2538458"/>
+            <a:ext cx="893013" cy="164485"/>
           </a:xfrm>
           <a:prstGeom prst="line">
             <a:avLst/>
@@ -4511,15 +4470,15 @@
           </p:cNvPr>
           <p:cNvCxnSpPr>
             <a:cxnSpLocks/>
-            <a:stCxn id="32" idx="2"/>
-            <a:endCxn id="29" idx="3"/>
+            <a:stCxn id="32" idx="4"/>
+            <a:endCxn id="31" idx="0"/>
           </p:cNvCxnSpPr>
           <p:nvPr/>
         </p:nvCxnSpPr>
         <p:spPr>
-          <a:xfrm flipH="1" flipV="1">
-            <a:off x="10298164" y="1769482"/>
-            <a:ext cx="225020" cy="147795"/>
+          <a:xfrm flipH="1">
+            <a:off x="10114041" y="1321325"/>
+            <a:ext cx="548371" cy="647041"/>
           </a:xfrm>
           <a:prstGeom prst="line">
             <a:avLst/>
@@ -4558,8 +4517,8 @@
         </p:nvCxnSpPr>
         <p:spPr>
           <a:xfrm flipH="1" flipV="1">
-            <a:off x="9546392" y="2045643"/>
-            <a:ext cx="349804" cy="554874"/>
+            <a:off x="9221028" y="3255265"/>
+            <a:ext cx="1325164" cy="1033327"/>
           </a:xfrm>
           <a:prstGeom prst="line">
             <a:avLst/>
@@ -4594,7 +4553,7 @@
         </p:nvSpPr>
         <p:spPr>
           <a:xfrm>
-            <a:off x="1898564" y="2651146"/>
+            <a:off x="1561298" y="2651146"/>
             <a:ext cx="1961554" cy="902122"/>
           </a:xfrm>
           <a:prstGeom prst="diamond">
@@ -4647,7 +4606,7 @@
         <p:spPr>
           <a:xfrm flipH="1">
             <a:off x="1769689" y="3553268"/>
-            <a:ext cx="1109652" cy="669442"/>
+            <a:ext cx="772386" cy="669442"/>
           </a:xfrm>
           <a:prstGeom prst="line">
             <a:avLst/>
@@ -4687,143 +4646,13 @@
         </p:nvCxnSpPr>
         <p:spPr>
           <a:xfrm flipH="1">
-            <a:off x="2879341" y="1917277"/>
-            <a:ext cx="535851" cy="733869"/>
+            <a:off x="2542075" y="1917277"/>
+            <a:ext cx="873117" cy="733869"/>
           </a:xfrm>
           <a:prstGeom prst="line">
             <a:avLst/>
           </a:prstGeom>
           <a:ln w="47625" cmpd="dbl"/>
-        </p:spPr>
-        <p:style>
-          <a:lnRef idx="2">
-            <a:schemeClr val="dk1"/>
-          </a:lnRef>
-          <a:fillRef idx="0">
-            <a:schemeClr val="dk1"/>
-          </a:fillRef>
-          <a:effectRef idx="1">
-            <a:schemeClr val="dk1"/>
-          </a:effectRef>
-          <a:fontRef idx="minor">
-            <a:schemeClr val="tx1"/>
-          </a:fontRef>
-        </p:style>
-      </p:cxnSp>
-      <p:sp>
-        <p:nvSpPr>
-          <p:cNvPr id="79" name="다이아몬드 78">
-            <a:extLst>
-              <a:ext uri="{FF2B5EF4-FFF2-40B4-BE49-F238E27FC236}">
-                <a16:creationId xmlns:a16="http://schemas.microsoft.com/office/drawing/2014/main" id="{CC947658-6D31-496E-84B5-EF46261E444A}"/>
-              </a:ext>
-            </a:extLst>
-          </p:cNvPr>
-          <p:cNvSpPr/>
-          <p:nvPr/>
-        </p:nvSpPr>
-        <p:spPr>
-          <a:xfrm>
-            <a:off x="4069801" y="3429000"/>
-            <a:ext cx="1961554" cy="902122"/>
-          </a:xfrm>
-          <a:prstGeom prst="diamond">
-            <a:avLst/>
-          </a:prstGeom>
-        </p:spPr>
-        <p:style>
-          <a:lnRef idx="2">
-            <a:schemeClr val="dk1"/>
-          </a:lnRef>
-          <a:fillRef idx="1">
-            <a:schemeClr val="lt1"/>
-          </a:fillRef>
-          <a:effectRef idx="0">
-            <a:schemeClr val="dk1"/>
-          </a:effectRef>
-          <a:fontRef idx="minor">
-            <a:schemeClr val="dk1"/>
-          </a:fontRef>
-        </p:style>
-        <p:txBody>
-          <a:bodyPr rtlCol="0" anchor="ctr"/>
-          <a:lstStyle/>
-          <a:p>
-            <a:pPr algn="ctr"/>
-            <a:r>
-              <a:rPr lang="ko-KR" altLang="en-US" dirty="0"/>
-              <a:t>소유</a:t>
-            </a:r>
-            <a:endParaRPr lang="en-US" altLang="ko-KR" dirty="0"/>
-          </a:p>
-        </p:txBody>
-      </p:sp>
-      <p:cxnSp>
-        <p:nvCxnSpPr>
-          <p:cNvPr id="82" name="직선 연결선 81">
-            <a:extLst>
-              <a:ext uri="{FF2B5EF4-FFF2-40B4-BE49-F238E27FC236}">
-                <a16:creationId xmlns:a16="http://schemas.microsoft.com/office/drawing/2014/main" id="{2541522E-886C-471B-8CD6-2EBB6D375310}"/>
-              </a:ext>
-            </a:extLst>
-          </p:cNvPr>
-          <p:cNvCxnSpPr>
-            <a:cxnSpLocks/>
-            <a:stCxn id="5" idx="2"/>
-            <a:endCxn id="79" idx="0"/>
-          </p:cNvCxnSpPr>
-          <p:nvPr/>
-        </p:nvCxnSpPr>
-        <p:spPr>
-          <a:xfrm>
-            <a:off x="3415192" y="1917277"/>
-            <a:ext cx="1635386" cy="1511723"/>
-          </a:xfrm>
-          <a:prstGeom prst="line">
-            <a:avLst/>
-          </a:prstGeom>
-          <a:ln w="47625" cmpd="dbl"/>
-        </p:spPr>
-        <p:style>
-          <a:lnRef idx="2">
-            <a:schemeClr val="dk1"/>
-          </a:lnRef>
-          <a:fillRef idx="0">
-            <a:schemeClr val="dk1"/>
-          </a:fillRef>
-          <a:effectRef idx="1">
-            <a:schemeClr val="dk1"/>
-          </a:effectRef>
-          <a:fontRef idx="minor">
-            <a:schemeClr val="tx1"/>
-          </a:fontRef>
-        </p:style>
-      </p:cxnSp>
-      <p:cxnSp>
-        <p:nvCxnSpPr>
-          <p:cNvPr id="85" name="직선 연결선 84">
-            <a:extLst>
-              <a:ext uri="{FF2B5EF4-FFF2-40B4-BE49-F238E27FC236}">
-                <a16:creationId xmlns:a16="http://schemas.microsoft.com/office/drawing/2014/main" id="{978E6924-0416-46FB-94EC-E67625325854}"/>
-              </a:ext>
-            </a:extLst>
-          </p:cNvPr>
-          <p:cNvCxnSpPr>
-            <a:cxnSpLocks/>
-            <a:stCxn id="79" idx="2"/>
-            <a:endCxn id="36" idx="0"/>
-          </p:cNvCxnSpPr>
-          <p:nvPr/>
-        </p:nvCxnSpPr>
-        <p:spPr>
-          <a:xfrm>
-            <a:off x="5050578" y="4331122"/>
-            <a:ext cx="963809" cy="380489"/>
-          </a:xfrm>
-          <a:prstGeom prst="line">
-            <a:avLst/>
-          </a:prstGeom>
-          <a:ln w="44450" cmpd="dbl"/>
         </p:spPr>
         <p:style>
           <a:lnRef idx="2">
@@ -4945,14 +4774,334 @@
           <p:nvPr/>
         </p:nvCxnSpPr>
         <p:spPr>
-          <a:xfrm flipV="1">
-            <a:off x="7164743" y="1769482"/>
-            <a:ext cx="1629877" cy="46534"/>
+          <a:xfrm>
+            <a:off x="7164743" y="1816016"/>
+            <a:ext cx="1304513" cy="1163088"/>
           </a:xfrm>
           <a:prstGeom prst="line">
             <a:avLst/>
           </a:prstGeom>
           <a:ln w="47625" cmpd="dbl"/>
+        </p:spPr>
+        <p:style>
+          <a:lnRef idx="2">
+            <a:schemeClr val="dk1"/>
+          </a:lnRef>
+          <a:fillRef idx="0">
+            <a:schemeClr val="dk1"/>
+          </a:fillRef>
+          <a:effectRef idx="1">
+            <a:schemeClr val="dk1"/>
+          </a:effectRef>
+          <a:fontRef idx="minor">
+            <a:schemeClr val="tx1"/>
+          </a:fontRef>
+        </p:style>
+      </p:cxnSp>
+      <p:sp>
+        <p:nvSpPr>
+          <p:cNvPr id="13" name="TextBox 12">
+            <a:extLst>
+              <a:ext uri="{FF2B5EF4-FFF2-40B4-BE49-F238E27FC236}">
+                <a16:creationId xmlns:a16="http://schemas.microsoft.com/office/drawing/2014/main" id="{2B7B4F82-607E-46F2-A7D1-D06D0C0D80C4}"/>
+              </a:ext>
+            </a:extLst>
+          </p:cNvPr>
+          <p:cNvSpPr txBox="1"/>
+          <p:nvPr/>
+        </p:nvSpPr>
+        <p:spPr>
+          <a:xfrm>
+            <a:off x="2123372" y="2280820"/>
+            <a:ext cx="321165" cy="369332"/>
+          </a:xfrm>
+          <a:prstGeom prst="rect">
+            <a:avLst/>
+          </a:prstGeom>
+          <a:noFill/>
+        </p:spPr>
+        <p:txBody>
+          <a:bodyPr wrap="square" rtlCol="0">
+            <a:spAutoFit/>
+          </a:bodyPr>
+          <a:lstStyle/>
+          <a:p>
+            <a:r>
+              <a:rPr lang="en-US" altLang="ko-KR" dirty="0"/>
+              <a:t>1</a:t>
+            </a:r>
+            <a:endParaRPr lang="ko-KR" altLang="en-US" dirty="0"/>
+          </a:p>
+        </p:txBody>
+      </p:sp>
+      <p:sp>
+        <p:nvSpPr>
+          <p:cNvPr id="46" name="TextBox 45">
+            <a:extLst>
+              <a:ext uri="{FF2B5EF4-FFF2-40B4-BE49-F238E27FC236}">
+                <a16:creationId xmlns:a16="http://schemas.microsoft.com/office/drawing/2014/main" id="{F671259E-0166-4908-857D-E95F709EEF67}"/>
+              </a:ext>
+            </a:extLst>
+          </p:cNvPr>
+          <p:cNvSpPr txBox="1"/>
+          <p:nvPr/>
+        </p:nvSpPr>
+        <p:spPr>
+          <a:xfrm>
+            <a:off x="1834717" y="3446626"/>
+            <a:ext cx="321165" cy="369332"/>
+          </a:xfrm>
+          <a:prstGeom prst="rect">
+            <a:avLst/>
+          </a:prstGeom>
+          <a:noFill/>
+        </p:spPr>
+        <p:txBody>
+          <a:bodyPr wrap="square" rtlCol="0">
+            <a:spAutoFit/>
+          </a:bodyPr>
+          <a:lstStyle/>
+          <a:p>
+            <a:r>
+              <a:rPr lang="en-US" altLang="ko-KR" dirty="0"/>
+              <a:t>1</a:t>
+            </a:r>
+            <a:endParaRPr lang="ko-KR" altLang="en-US" dirty="0"/>
+          </a:p>
+        </p:txBody>
+      </p:sp>
+      <p:sp>
+        <p:nvSpPr>
+          <p:cNvPr id="50" name="TextBox 49">
+            <a:extLst>
+              <a:ext uri="{FF2B5EF4-FFF2-40B4-BE49-F238E27FC236}">
+                <a16:creationId xmlns:a16="http://schemas.microsoft.com/office/drawing/2014/main" id="{5C12827C-59F7-4A91-BEF5-ED7AAF090A07}"/>
+              </a:ext>
+            </a:extLst>
+          </p:cNvPr>
+          <p:cNvSpPr txBox="1"/>
+          <p:nvPr/>
+        </p:nvSpPr>
+        <p:spPr>
+          <a:xfrm>
+            <a:off x="7133587" y="1968366"/>
+            <a:ext cx="321165" cy="369332"/>
+          </a:xfrm>
+          <a:prstGeom prst="rect">
+            <a:avLst/>
+          </a:prstGeom>
+          <a:noFill/>
+        </p:spPr>
+        <p:txBody>
+          <a:bodyPr wrap="square" rtlCol="0">
+            <a:spAutoFit/>
+          </a:bodyPr>
+          <a:lstStyle/>
+          <a:p>
+            <a:r>
+              <a:rPr lang="en-US" altLang="ko-KR" dirty="0"/>
+              <a:t>1</a:t>
+            </a:r>
+            <a:endParaRPr lang="ko-KR" altLang="en-US" dirty="0"/>
+          </a:p>
+        </p:txBody>
+      </p:sp>
+      <p:sp>
+        <p:nvSpPr>
+          <p:cNvPr id="52" name="TextBox 51">
+            <a:extLst>
+              <a:ext uri="{FF2B5EF4-FFF2-40B4-BE49-F238E27FC236}">
+                <a16:creationId xmlns:a16="http://schemas.microsoft.com/office/drawing/2014/main" id="{DBADE711-663D-46B5-BFD2-87A00AAB5B0D}"/>
+              </a:ext>
+            </a:extLst>
+          </p:cNvPr>
+          <p:cNvSpPr txBox="1"/>
+          <p:nvPr/>
+        </p:nvSpPr>
+        <p:spPr>
+          <a:xfrm>
+            <a:off x="4869353" y="1923494"/>
+            <a:ext cx="321165" cy="369332"/>
+          </a:xfrm>
+          <a:prstGeom prst="rect">
+            <a:avLst/>
+          </a:prstGeom>
+          <a:noFill/>
+        </p:spPr>
+        <p:txBody>
+          <a:bodyPr wrap="square" rtlCol="0">
+            <a:spAutoFit/>
+          </a:bodyPr>
+          <a:lstStyle/>
+          <a:p>
+            <a:r>
+              <a:rPr lang="en-US" altLang="ko-KR" dirty="0"/>
+              <a:t>N</a:t>
+            </a:r>
+            <a:endParaRPr lang="ko-KR" altLang="en-US" dirty="0"/>
+          </a:p>
+        </p:txBody>
+      </p:sp>
+      <p:sp>
+        <p:nvSpPr>
+          <p:cNvPr id="74" name="타원 73">
+            <a:extLst>
+              <a:ext uri="{FF2B5EF4-FFF2-40B4-BE49-F238E27FC236}">
+                <a16:creationId xmlns:a16="http://schemas.microsoft.com/office/drawing/2014/main" id="{80EBDAE9-033A-4E48-8784-CA21C63469D9}"/>
+              </a:ext>
+            </a:extLst>
+          </p:cNvPr>
+          <p:cNvSpPr/>
+          <p:nvPr/>
+        </p:nvSpPr>
+        <p:spPr>
+          <a:xfrm>
+            <a:off x="8465779" y="952809"/>
+            <a:ext cx="1386942" cy="552322"/>
+          </a:xfrm>
+          <a:prstGeom prst="ellipse">
+            <a:avLst/>
+          </a:prstGeom>
+        </p:spPr>
+        <p:style>
+          <a:lnRef idx="2">
+            <a:schemeClr val="dk1"/>
+          </a:lnRef>
+          <a:fillRef idx="1">
+            <a:schemeClr val="lt1"/>
+          </a:fillRef>
+          <a:effectRef idx="0">
+            <a:schemeClr val="dk1"/>
+          </a:effectRef>
+          <a:fontRef idx="minor">
+            <a:schemeClr val="dk1"/>
+          </a:fontRef>
+        </p:style>
+        <p:txBody>
+          <a:bodyPr rtlCol="0" anchor="ctr"/>
+          <a:lstStyle/>
+          <a:p>
+            <a:pPr algn="ctr"/>
+            <a:r>
+              <a:rPr lang="ko-KR" altLang="en-US" dirty="0"/>
+              <a:t>이름</a:t>
+            </a:r>
+            <a:endParaRPr lang="en-US" altLang="ko-KR" dirty="0"/>
+          </a:p>
+        </p:txBody>
+      </p:sp>
+      <p:cxnSp>
+        <p:nvCxnSpPr>
+          <p:cNvPr id="75" name="직선 연결선 74">
+            <a:extLst>
+              <a:ext uri="{FF2B5EF4-FFF2-40B4-BE49-F238E27FC236}">
+                <a16:creationId xmlns:a16="http://schemas.microsoft.com/office/drawing/2014/main" id="{A2620BB7-E84A-44E0-B48B-7063A51B4C0E}"/>
+              </a:ext>
+            </a:extLst>
+          </p:cNvPr>
+          <p:cNvCxnSpPr>
+            <a:cxnSpLocks/>
+            <a:stCxn id="74" idx="4"/>
+            <a:endCxn id="31" idx="0"/>
+          </p:cNvCxnSpPr>
+          <p:nvPr/>
+        </p:nvCxnSpPr>
+        <p:spPr>
+          <a:xfrm>
+            <a:off x="9159250" y="1505131"/>
+            <a:ext cx="954791" cy="463235"/>
+          </a:xfrm>
+          <a:prstGeom prst="line">
+            <a:avLst/>
+          </a:prstGeom>
+        </p:spPr>
+        <p:style>
+          <a:lnRef idx="2">
+            <a:schemeClr val="dk1"/>
+          </a:lnRef>
+          <a:fillRef idx="0">
+            <a:schemeClr val="dk1"/>
+          </a:fillRef>
+          <a:effectRef idx="1">
+            <a:schemeClr val="dk1"/>
+          </a:effectRef>
+          <a:fontRef idx="minor">
+            <a:schemeClr val="tx1"/>
+          </a:fontRef>
+        </p:style>
+      </p:cxnSp>
+      <p:sp>
+        <p:nvSpPr>
+          <p:cNvPr id="78" name="타원 77">
+            <a:extLst>
+              <a:ext uri="{FF2B5EF4-FFF2-40B4-BE49-F238E27FC236}">
+                <a16:creationId xmlns:a16="http://schemas.microsoft.com/office/drawing/2014/main" id="{C7335474-E7D1-4E10-A3F0-40A7BADABBBE}"/>
+              </a:ext>
+            </a:extLst>
+          </p:cNvPr>
+          <p:cNvSpPr/>
+          <p:nvPr/>
+        </p:nvSpPr>
+        <p:spPr>
+          <a:xfrm>
+            <a:off x="4231717" y="2894304"/>
+            <a:ext cx="1386942" cy="552322"/>
+          </a:xfrm>
+          <a:prstGeom prst="ellipse">
+            <a:avLst/>
+          </a:prstGeom>
+        </p:spPr>
+        <p:style>
+          <a:lnRef idx="2">
+            <a:schemeClr val="dk1"/>
+          </a:lnRef>
+          <a:fillRef idx="1">
+            <a:schemeClr val="lt1"/>
+          </a:fillRef>
+          <a:effectRef idx="0">
+            <a:schemeClr val="dk1"/>
+          </a:effectRef>
+          <a:fontRef idx="minor">
+            <a:schemeClr val="dk1"/>
+          </a:fontRef>
+        </p:style>
+        <p:txBody>
+          <a:bodyPr rtlCol="0" anchor="ctr"/>
+          <a:lstStyle/>
+          <a:p>
+            <a:pPr algn="ctr"/>
+            <a:r>
+              <a:rPr lang="ko-KR" altLang="en-US" dirty="0"/>
+              <a:t>커스터마이징</a:t>
+            </a:r>
+            <a:endParaRPr lang="en-US" altLang="ko-KR" dirty="0"/>
+          </a:p>
+        </p:txBody>
+      </p:sp>
+      <p:cxnSp>
+        <p:nvCxnSpPr>
+          <p:cNvPr id="80" name="직선 연결선 79">
+            <a:extLst>
+              <a:ext uri="{FF2B5EF4-FFF2-40B4-BE49-F238E27FC236}">
+                <a16:creationId xmlns:a16="http://schemas.microsoft.com/office/drawing/2014/main" id="{6A978BBC-63AF-478E-BC4A-B05805C1104F}"/>
+              </a:ext>
+            </a:extLst>
+          </p:cNvPr>
+          <p:cNvCxnSpPr>
+            <a:cxnSpLocks/>
+            <a:stCxn id="5" idx="2"/>
+            <a:endCxn id="78" idx="0"/>
+          </p:cNvCxnSpPr>
+          <p:nvPr/>
+        </p:nvCxnSpPr>
+        <p:spPr>
+          <a:xfrm>
+            <a:off x="3415192" y="1917277"/>
+            <a:ext cx="1509996" cy="977027"/>
+          </a:xfrm>
+          <a:prstGeom prst="line">
+            <a:avLst/>
+          </a:prstGeom>
         </p:spPr>
         <p:style>
           <a:lnRef idx="2">

--- a/document/ER모델.pptx
+++ b/document/ER모델.pptx
@@ -259,7 +259,7 @@
           <a:p>
             <a:fld id="{BC77C24B-2C50-4B4B-93E7-754CD84F63CC}" type="datetimeFigureOut">
               <a:rPr lang="ko-KR" altLang="en-US" smtClean="0"/>
-              <a:t>2022-02-08</a:t>
+              <a:t>2022-02-13</a:t>
             </a:fld>
             <a:endParaRPr lang="ko-KR" altLang="en-US"/>
           </a:p>
@@ -457,7 +457,7 @@
           <a:p>
             <a:fld id="{BC77C24B-2C50-4B4B-93E7-754CD84F63CC}" type="datetimeFigureOut">
               <a:rPr lang="ko-KR" altLang="en-US" smtClean="0"/>
-              <a:t>2022-02-08</a:t>
+              <a:t>2022-02-13</a:t>
             </a:fld>
             <a:endParaRPr lang="ko-KR" altLang="en-US"/>
           </a:p>
@@ -665,7 +665,7 @@
           <a:p>
             <a:fld id="{BC77C24B-2C50-4B4B-93E7-754CD84F63CC}" type="datetimeFigureOut">
               <a:rPr lang="ko-KR" altLang="en-US" smtClean="0"/>
-              <a:t>2022-02-08</a:t>
+              <a:t>2022-02-13</a:t>
             </a:fld>
             <a:endParaRPr lang="ko-KR" altLang="en-US"/>
           </a:p>
@@ -863,7 +863,7 @@
           <a:p>
             <a:fld id="{BC77C24B-2C50-4B4B-93E7-754CD84F63CC}" type="datetimeFigureOut">
               <a:rPr lang="ko-KR" altLang="en-US" smtClean="0"/>
-              <a:t>2022-02-08</a:t>
+              <a:t>2022-02-13</a:t>
             </a:fld>
             <a:endParaRPr lang="ko-KR" altLang="en-US"/>
           </a:p>
@@ -1138,7 +1138,7 @@
           <a:p>
             <a:fld id="{BC77C24B-2C50-4B4B-93E7-754CD84F63CC}" type="datetimeFigureOut">
               <a:rPr lang="ko-KR" altLang="en-US" smtClean="0"/>
-              <a:t>2022-02-08</a:t>
+              <a:t>2022-02-13</a:t>
             </a:fld>
             <a:endParaRPr lang="ko-KR" altLang="en-US"/>
           </a:p>
@@ -1403,7 +1403,7 @@
           <a:p>
             <a:fld id="{BC77C24B-2C50-4B4B-93E7-754CD84F63CC}" type="datetimeFigureOut">
               <a:rPr lang="ko-KR" altLang="en-US" smtClean="0"/>
-              <a:t>2022-02-08</a:t>
+              <a:t>2022-02-13</a:t>
             </a:fld>
             <a:endParaRPr lang="ko-KR" altLang="en-US"/>
           </a:p>
@@ -1815,7 +1815,7 @@
           <a:p>
             <a:fld id="{BC77C24B-2C50-4B4B-93E7-754CD84F63CC}" type="datetimeFigureOut">
               <a:rPr lang="ko-KR" altLang="en-US" smtClean="0"/>
-              <a:t>2022-02-08</a:t>
+              <a:t>2022-02-13</a:t>
             </a:fld>
             <a:endParaRPr lang="ko-KR" altLang="en-US"/>
           </a:p>
@@ -1956,7 +1956,7 @@
           <a:p>
             <a:fld id="{BC77C24B-2C50-4B4B-93E7-754CD84F63CC}" type="datetimeFigureOut">
               <a:rPr lang="ko-KR" altLang="en-US" smtClean="0"/>
-              <a:t>2022-02-08</a:t>
+              <a:t>2022-02-13</a:t>
             </a:fld>
             <a:endParaRPr lang="ko-KR" altLang="en-US"/>
           </a:p>
@@ -2069,7 +2069,7 @@
           <a:p>
             <a:fld id="{BC77C24B-2C50-4B4B-93E7-754CD84F63CC}" type="datetimeFigureOut">
               <a:rPr lang="ko-KR" altLang="en-US" smtClean="0"/>
-              <a:t>2022-02-08</a:t>
+              <a:t>2022-02-13</a:t>
             </a:fld>
             <a:endParaRPr lang="ko-KR" altLang="en-US"/>
           </a:p>
@@ -2380,7 +2380,7 @@
           <a:p>
             <a:fld id="{BC77C24B-2C50-4B4B-93E7-754CD84F63CC}" type="datetimeFigureOut">
               <a:rPr lang="ko-KR" altLang="en-US" smtClean="0"/>
-              <a:t>2022-02-08</a:t>
+              <a:t>2022-02-13</a:t>
             </a:fld>
             <a:endParaRPr lang="ko-KR" altLang="en-US"/>
           </a:p>
@@ -2668,7 +2668,7 @@
           <a:p>
             <a:fld id="{BC77C24B-2C50-4B4B-93E7-754CD84F63CC}" type="datetimeFigureOut">
               <a:rPr lang="ko-KR" altLang="en-US" smtClean="0"/>
-              <a:t>2022-02-08</a:t>
+              <a:t>2022-02-13</a:t>
             </a:fld>
             <a:endParaRPr lang="ko-KR" altLang="en-US"/>
           </a:p>
@@ -2909,7 +2909,7 @@
           <a:p>
             <a:fld id="{BC77C24B-2C50-4B4B-93E7-754CD84F63CC}" type="datetimeFigureOut">
               <a:rPr lang="ko-KR" altLang="en-US" smtClean="0"/>
-              <a:t>2022-02-08</a:t>
+              <a:t>2022-02-13</a:t>
             </a:fld>
             <a:endParaRPr lang="ko-KR" altLang="en-US"/>
           </a:p>
@@ -3436,7 +3436,7 @@
         </p:nvSpPr>
         <p:spPr>
           <a:xfrm>
-            <a:off x="2721721" y="568311"/>
+            <a:off x="1588988" y="377595"/>
             <a:ext cx="1386942" cy="552322"/>
           </a:xfrm>
           <a:prstGeom prst="ellipse">
@@ -3709,10 +3709,10 @@
       </p:sp>
       <p:sp>
         <p:nvSpPr>
-          <p:cNvPr id="31" name="타원 30">
-            <a:extLst>
-              <a:ext uri="{FF2B5EF4-FFF2-40B4-BE49-F238E27FC236}">
-                <a16:creationId xmlns:a16="http://schemas.microsoft.com/office/drawing/2014/main" id="{668A8152-BF50-43C2-B59B-905E7C7E4527}"/>
+          <p:cNvPr id="32" name="타원 31">
+            <a:extLst>
+              <a:ext uri="{FF2B5EF4-FFF2-40B4-BE49-F238E27FC236}">
+                <a16:creationId xmlns:a16="http://schemas.microsoft.com/office/drawing/2014/main" id="{9DDDC0A9-7BE7-46D0-A473-840C5EDE6122}"/>
               </a:ext>
             </a:extLst>
           </p:cNvPr>
@@ -3721,62 +3721,7 @@
         </p:nvSpPr>
         <p:spPr>
           <a:xfrm>
-            <a:off x="9320846" y="1968366"/>
-            <a:ext cx="1586390" cy="570092"/>
-          </a:xfrm>
-          <a:prstGeom prst="ellipse">
-            <a:avLst/>
-          </a:prstGeom>
-          <a:ln w="82550" cmpd="dbl">
-            <a:solidFill>
-              <a:schemeClr val="dk1">
-                <a:alpha val="99000"/>
-              </a:schemeClr>
-            </a:solidFill>
-          </a:ln>
-        </p:spPr>
-        <p:style>
-          <a:lnRef idx="2">
-            <a:schemeClr val="dk1"/>
-          </a:lnRef>
-          <a:fillRef idx="1">
-            <a:schemeClr val="lt1"/>
-          </a:fillRef>
-          <a:effectRef idx="0">
-            <a:schemeClr val="dk1"/>
-          </a:effectRef>
-          <a:fontRef idx="minor">
-            <a:schemeClr val="dk1"/>
-          </a:fontRef>
-        </p:style>
-        <p:txBody>
-          <a:bodyPr rtlCol="0" anchor="ctr"/>
-          <a:lstStyle/>
-          <a:p>
-            <a:pPr algn="ctr"/>
-            <a:r>
-              <a:rPr lang="ko-KR" altLang="en-US" dirty="0"/>
-              <a:t>참여유저</a:t>
-            </a:r>
-            <a:endParaRPr lang="en-US" altLang="ko-KR" dirty="0"/>
-          </a:p>
-        </p:txBody>
-      </p:sp>
-      <p:sp>
-        <p:nvSpPr>
-          <p:cNvPr id="32" name="타원 31">
-            <a:extLst>
-              <a:ext uri="{FF2B5EF4-FFF2-40B4-BE49-F238E27FC236}">
-                <a16:creationId xmlns:a16="http://schemas.microsoft.com/office/drawing/2014/main" id="{9DDDC0A9-7BE7-46D0-A473-840C5EDE6122}"/>
-              </a:ext>
-            </a:extLst>
-          </p:cNvPr>
-          <p:cNvSpPr/>
-          <p:nvPr/>
-        </p:nvSpPr>
-        <p:spPr>
-          <a:xfrm>
-            <a:off x="9804489" y="769003"/>
+            <a:off x="3445153" y="439309"/>
             <a:ext cx="1715845" cy="552322"/>
           </a:xfrm>
           <a:prstGeom prst="ellipse">
@@ -4269,8 +4214,8 @@
         </p:nvCxnSpPr>
         <p:spPr>
           <a:xfrm>
-            <a:off x="3415192" y="1120633"/>
-            <a:ext cx="0" cy="244322"/>
+            <a:off x="2282459" y="929917"/>
+            <a:ext cx="1132733" cy="435038"/>
           </a:xfrm>
           <a:prstGeom prst="line">
             <a:avLst/>
@@ -4421,64 +4366,24 @@
       </p:cxnSp>
       <p:cxnSp>
         <p:nvCxnSpPr>
-          <p:cNvPr id="63" name="직선 연결선 62">
-            <a:extLst>
-              <a:ext uri="{FF2B5EF4-FFF2-40B4-BE49-F238E27FC236}">
-                <a16:creationId xmlns:a16="http://schemas.microsoft.com/office/drawing/2014/main" id="{61B5F425-5DF2-4F69-AB0F-D550D1A5B305}"/>
+          <p:cNvPr id="66" name="직선 연결선 65">
+            <a:extLst>
+              <a:ext uri="{FF2B5EF4-FFF2-40B4-BE49-F238E27FC236}">
+                <a16:creationId xmlns:a16="http://schemas.microsoft.com/office/drawing/2014/main" id="{D42251CD-7180-46E1-B2ED-3DA8ED8786E6}"/>
               </a:ext>
             </a:extLst>
           </p:cNvPr>
           <p:cNvCxnSpPr>
             <a:cxnSpLocks/>
-            <a:stCxn id="31" idx="4"/>
-            <a:endCxn id="29" idx="0"/>
+            <a:stCxn id="32" idx="4"/>
+            <a:endCxn id="5" idx="0"/>
           </p:cNvCxnSpPr>
           <p:nvPr/>
         </p:nvCxnSpPr>
         <p:spPr>
           <a:xfrm flipH="1">
-            <a:off x="9221028" y="2538458"/>
-            <a:ext cx="893013" cy="164485"/>
-          </a:xfrm>
-          <a:prstGeom prst="line">
-            <a:avLst/>
-          </a:prstGeom>
-        </p:spPr>
-        <p:style>
-          <a:lnRef idx="2">
-            <a:schemeClr val="dk1"/>
-          </a:lnRef>
-          <a:fillRef idx="0">
-            <a:schemeClr val="dk1"/>
-          </a:fillRef>
-          <a:effectRef idx="1">
-            <a:schemeClr val="dk1"/>
-          </a:effectRef>
-          <a:fontRef idx="minor">
-            <a:schemeClr val="tx1"/>
-          </a:fontRef>
-        </p:style>
-      </p:cxnSp>
-      <p:cxnSp>
-        <p:nvCxnSpPr>
-          <p:cNvPr id="66" name="직선 연결선 65">
-            <a:extLst>
-              <a:ext uri="{FF2B5EF4-FFF2-40B4-BE49-F238E27FC236}">
-                <a16:creationId xmlns:a16="http://schemas.microsoft.com/office/drawing/2014/main" id="{D42251CD-7180-46E1-B2ED-3DA8ED8786E6}"/>
-              </a:ext>
-            </a:extLst>
-          </p:cNvPr>
-          <p:cNvCxnSpPr>
-            <a:cxnSpLocks/>
-            <a:stCxn id="32" idx="4"/>
-            <a:endCxn id="31" idx="0"/>
-          </p:cNvCxnSpPr>
-          <p:nvPr/>
-        </p:nvCxnSpPr>
-        <p:spPr>
-          <a:xfrm flipH="1">
-            <a:off x="10114041" y="1321325"/>
-            <a:ext cx="548371" cy="647041"/>
+            <a:off x="3415192" y="991631"/>
+            <a:ext cx="887884" cy="373324"/>
           </a:xfrm>
           <a:prstGeom prst="line">
             <a:avLst/>
@@ -4683,7 +4588,7 @@
         </p:nvSpPr>
         <p:spPr>
           <a:xfrm>
-            <a:off x="5203189" y="1364955"/>
+            <a:off x="5521388" y="2094446"/>
             <a:ext cx="1961554" cy="902122"/>
           </a:xfrm>
           <a:prstGeom prst="diamond">
@@ -4736,7 +4641,7 @@
         <p:spPr>
           <a:xfrm flipH="1" flipV="1">
             <a:off x="4166964" y="1641116"/>
-            <a:ext cx="1036225" cy="174900"/>
+            <a:ext cx="1354424" cy="904391"/>
           </a:xfrm>
           <a:prstGeom prst="line">
             <a:avLst/>
@@ -4775,8 +4680,8 @@
         </p:nvCxnSpPr>
         <p:spPr>
           <a:xfrm>
-            <a:off x="7164743" y="1816016"/>
-            <a:ext cx="1304513" cy="1163088"/>
+            <a:off x="7482942" y="2545507"/>
+            <a:ext cx="986314" cy="433597"/>
           </a:xfrm>
           <a:prstGeom prst="line">
             <a:avLst/>
@@ -4884,7 +4789,7 @@
         </p:nvSpPr>
         <p:spPr>
           <a:xfrm>
-            <a:off x="7133587" y="1968366"/>
+            <a:off x="7494351" y="2269346"/>
             <a:ext cx="321165" cy="369332"/>
           </a:xfrm>
           <a:prstGeom prst="rect">
@@ -4920,7 +4825,7 @@
         </p:nvSpPr>
         <p:spPr>
           <a:xfrm>
-            <a:off x="4869353" y="1923494"/>
+            <a:off x="5290355" y="2013246"/>
             <a:ext cx="321165" cy="369332"/>
           </a:xfrm>
           <a:prstGeom prst="rect">
@@ -4942,94 +4847,6 @@
           </a:p>
         </p:txBody>
       </p:sp>
-      <p:sp>
-        <p:nvSpPr>
-          <p:cNvPr id="74" name="타원 73">
-            <a:extLst>
-              <a:ext uri="{FF2B5EF4-FFF2-40B4-BE49-F238E27FC236}">
-                <a16:creationId xmlns:a16="http://schemas.microsoft.com/office/drawing/2014/main" id="{80EBDAE9-033A-4E48-8784-CA21C63469D9}"/>
-              </a:ext>
-            </a:extLst>
-          </p:cNvPr>
-          <p:cNvSpPr/>
-          <p:nvPr/>
-        </p:nvSpPr>
-        <p:spPr>
-          <a:xfrm>
-            <a:off x="8465779" y="952809"/>
-            <a:ext cx="1386942" cy="552322"/>
-          </a:xfrm>
-          <a:prstGeom prst="ellipse">
-            <a:avLst/>
-          </a:prstGeom>
-        </p:spPr>
-        <p:style>
-          <a:lnRef idx="2">
-            <a:schemeClr val="dk1"/>
-          </a:lnRef>
-          <a:fillRef idx="1">
-            <a:schemeClr val="lt1"/>
-          </a:fillRef>
-          <a:effectRef idx="0">
-            <a:schemeClr val="dk1"/>
-          </a:effectRef>
-          <a:fontRef idx="minor">
-            <a:schemeClr val="dk1"/>
-          </a:fontRef>
-        </p:style>
-        <p:txBody>
-          <a:bodyPr rtlCol="0" anchor="ctr"/>
-          <a:lstStyle/>
-          <a:p>
-            <a:pPr algn="ctr"/>
-            <a:r>
-              <a:rPr lang="ko-KR" altLang="en-US" dirty="0"/>
-              <a:t>이름</a:t>
-            </a:r>
-            <a:endParaRPr lang="en-US" altLang="ko-KR" dirty="0"/>
-          </a:p>
-        </p:txBody>
-      </p:sp>
-      <p:cxnSp>
-        <p:nvCxnSpPr>
-          <p:cNvPr id="75" name="직선 연결선 74">
-            <a:extLst>
-              <a:ext uri="{FF2B5EF4-FFF2-40B4-BE49-F238E27FC236}">
-                <a16:creationId xmlns:a16="http://schemas.microsoft.com/office/drawing/2014/main" id="{A2620BB7-E84A-44E0-B48B-7063A51B4C0E}"/>
-              </a:ext>
-            </a:extLst>
-          </p:cNvPr>
-          <p:cNvCxnSpPr>
-            <a:cxnSpLocks/>
-            <a:stCxn id="74" idx="4"/>
-            <a:endCxn id="31" idx="0"/>
-          </p:cNvCxnSpPr>
-          <p:nvPr/>
-        </p:nvCxnSpPr>
-        <p:spPr>
-          <a:xfrm>
-            <a:off x="9159250" y="1505131"/>
-            <a:ext cx="954791" cy="463235"/>
-          </a:xfrm>
-          <a:prstGeom prst="line">
-            <a:avLst/>
-          </a:prstGeom>
-        </p:spPr>
-        <p:style>
-          <a:lnRef idx="2">
-            <a:schemeClr val="dk1"/>
-          </a:lnRef>
-          <a:fillRef idx="0">
-            <a:schemeClr val="dk1"/>
-          </a:fillRef>
-          <a:effectRef idx="1">
-            <a:schemeClr val="dk1"/>
-          </a:effectRef>
-          <a:fontRef idx="minor">
-            <a:schemeClr val="tx1"/>
-          </a:fontRef>
-        </p:style>
-      </p:cxnSp>
       <p:sp>
         <p:nvSpPr>
           <p:cNvPr id="78" name="타원 77">
@@ -5427,6 +5244,21 @@
 </file>
 
 <file path=customXml/item1.xml><?xml version="1.0" encoding="utf-8"?>
+<p:properties xmlns:p="http://schemas.microsoft.com/office/2006/metadata/properties" xmlns:xsi="http://www.w3.org/2001/XMLSchema-instance" xmlns:pc="http://schemas.microsoft.com/office/infopath/2007/PartnerControls">
+  <documentManagement/>
+</p:properties>
+</file>
+
+<file path=customXml/item2.xml><?xml version="1.0" encoding="utf-8"?>
+<?mso-contentType ?>
+<FormTemplates xmlns="http://schemas.microsoft.com/sharepoint/v3/contenttype/forms">
+  <Display>DocumentLibraryForm</Display>
+  <Edit>DocumentLibraryForm</Edit>
+  <New>DocumentLibraryForm</New>
+</FormTemplates>
+</file>
+
+<file path=customXml/item3.xml><?xml version="1.0" encoding="utf-8"?>
 <ct:contentTypeSchema xmlns:ct="http://schemas.microsoft.com/office/2006/metadata/contentType" xmlns:ma="http://schemas.microsoft.com/office/2006/metadata/properties/metaAttributes" ct:_="" ma:_="" ma:contentTypeName="문서" ma:contentTypeID="0x010100F8BADC0CF357174FA4AF0DB9CCB2C990" ma:contentTypeVersion="4" ma:contentTypeDescription="새 문서를 만듭니다." ma:contentTypeScope="" ma:versionID="8d311c536f35297bfd5f71d218a1cc68">
   <xsd:schema xmlns:xsd="http://www.w3.org/2001/XMLSchema" xmlns:xs="http://www.w3.org/2001/XMLSchema" xmlns:p="http://schemas.microsoft.com/office/2006/metadata/properties" xmlns:ns3="ccfd3946-8f19-43a6-b98f-2cdd678b068e" targetNamespace="http://schemas.microsoft.com/office/2006/metadata/properties" ma:root="true" ma:fieldsID="714a09505e89809d6a237f04cfd2290d" ns3:_="">
     <xsd:import namespace="ccfd3946-8f19-43a6-b98f-2cdd678b068e"/>
@@ -5572,22 +5404,31 @@
 </ct:contentTypeSchema>
 </file>
 
-<file path=customXml/item2.xml><?xml version="1.0" encoding="utf-8"?>
-<?mso-contentType ?>
-<FormTemplates xmlns="http://schemas.microsoft.com/sharepoint/v3/contenttype/forms">
-  <Display>DocumentLibraryForm</Display>
-  <Edit>DocumentLibraryForm</Edit>
-  <New>DocumentLibraryForm</New>
-</FormTemplates>
+<file path=customXml/itemProps1.xml><?xml version="1.0" encoding="utf-8"?>
+<ds:datastoreItem xmlns:ds="http://schemas.openxmlformats.org/officeDocument/2006/customXml" ds:itemID="{21C047C3-56CF-4705-9911-3A25DC2B5B65}">
+  <ds:schemaRefs>
+    <ds:schemaRef ds:uri="http://schemas.microsoft.com/office/2006/documentManagement/types"/>
+    <ds:schemaRef ds:uri="http://schemas.microsoft.com/office/2006/metadata/properties"/>
+    <ds:schemaRef ds:uri="http://purl.org/dc/dcmitype/"/>
+    <ds:schemaRef ds:uri="http://www.w3.org/XML/1998/namespace"/>
+    <ds:schemaRef ds:uri="http://schemas.openxmlformats.org/package/2006/metadata/core-properties"/>
+    <ds:schemaRef ds:uri="http://purl.org/dc/elements/1.1/"/>
+    <ds:schemaRef ds:uri="http://purl.org/dc/terms/"/>
+    <ds:schemaRef ds:uri="ccfd3946-8f19-43a6-b98f-2cdd678b068e"/>
+    <ds:schemaRef ds:uri="http://schemas.microsoft.com/office/infopath/2007/PartnerControls"/>
+  </ds:schemaRefs>
+</ds:datastoreItem>
 </file>
 
-<file path=customXml/item3.xml><?xml version="1.0" encoding="utf-8"?>
-<p:properties xmlns:p="http://schemas.microsoft.com/office/2006/metadata/properties" xmlns:xsi="http://www.w3.org/2001/XMLSchema-instance" xmlns:pc="http://schemas.microsoft.com/office/infopath/2007/PartnerControls">
-  <documentManagement/>
-</p:properties>
+<file path=customXml/itemProps2.xml><?xml version="1.0" encoding="utf-8"?>
+<ds:datastoreItem xmlns:ds="http://schemas.openxmlformats.org/officeDocument/2006/customXml" ds:itemID="{B8CCF581-223F-4DB2-AF68-27B3BF8341E0}">
+  <ds:schemaRefs>
+    <ds:schemaRef ds:uri="http://schemas.microsoft.com/sharepoint/v3/contenttype/forms"/>
+  </ds:schemaRefs>
+</ds:datastoreItem>
 </file>
 
-<file path=customXml/itemProps1.xml><?xml version="1.0" encoding="utf-8"?>
+<file path=customXml/itemProps3.xml><?xml version="1.0" encoding="utf-8"?>
 <ds:datastoreItem xmlns:ds="http://schemas.openxmlformats.org/officeDocument/2006/customXml" ds:itemID="{E32717A5-8B4C-4EA0-83E9-501EE7C5EE5A}">
   <ds:schemaRefs>
     <ds:schemaRef ds:uri="http://schemas.microsoft.com/office/2006/metadata/contentType"/>
@@ -5603,28 +5444,4 @@
     <ds:schemaRef ds:uri="http://schemas.microsoft.com/internal/obd"/>
   </ds:schemaRefs>
 </ds:datastoreItem>
-</file>
-
-<file path=customXml/itemProps2.xml><?xml version="1.0" encoding="utf-8"?>
-<ds:datastoreItem xmlns:ds="http://schemas.openxmlformats.org/officeDocument/2006/customXml" ds:itemID="{B8CCF581-223F-4DB2-AF68-27B3BF8341E0}">
-  <ds:schemaRefs>
-    <ds:schemaRef ds:uri="http://schemas.microsoft.com/sharepoint/v3/contenttype/forms"/>
-  </ds:schemaRefs>
-</ds:datastoreItem>
-</file>
-
-<file path=customXml/itemProps3.xml><?xml version="1.0" encoding="utf-8"?>
-<ds:datastoreItem xmlns:ds="http://schemas.openxmlformats.org/officeDocument/2006/customXml" ds:itemID="{21C047C3-56CF-4705-9911-3A25DC2B5B65}">
-  <ds:schemaRefs>
-    <ds:schemaRef ds:uri="http://schemas.microsoft.com/office/2006/documentManagement/types"/>
-    <ds:schemaRef ds:uri="http://schemas.microsoft.com/office/2006/metadata/properties"/>
-    <ds:schemaRef ds:uri="http://purl.org/dc/dcmitype/"/>
-    <ds:schemaRef ds:uri="http://www.w3.org/XML/1998/namespace"/>
-    <ds:schemaRef ds:uri="http://schemas.openxmlformats.org/package/2006/metadata/core-properties"/>
-    <ds:schemaRef ds:uri="http://purl.org/dc/elements/1.1/"/>
-    <ds:schemaRef ds:uri="http://purl.org/dc/terms/"/>
-    <ds:schemaRef ds:uri="ccfd3946-8f19-43a6-b98f-2cdd678b068e"/>
-    <ds:schemaRef ds:uri="http://schemas.microsoft.com/office/infopath/2007/PartnerControls"/>
-  </ds:schemaRefs>
-</ds:datastoreItem>
 </file>
--- a/document/ER모델.pptx
+++ b/document/ER모델.pptx
@@ -6,6 +6,7 @@
   </p:sldMasterIdLst>
   <p:sldIdLst>
     <p:sldId id="256" r:id="rId5"/>
+    <p:sldId id="257" r:id="rId6"/>
   </p:sldIdLst>
   <p:sldSz cx="12192000" cy="6858000"/>
   <p:notesSz cx="6858000" cy="9144000"/>
@@ -259,7 +260,7 @@
           <a:p>
             <a:fld id="{BC77C24B-2C50-4B4B-93E7-754CD84F63CC}" type="datetimeFigureOut">
               <a:rPr lang="ko-KR" altLang="en-US" smtClean="0"/>
-              <a:t>2022-02-13</a:t>
+              <a:t>2022-02-14</a:t>
             </a:fld>
             <a:endParaRPr lang="ko-KR" altLang="en-US"/>
           </a:p>
@@ -457,7 +458,7 @@
           <a:p>
             <a:fld id="{BC77C24B-2C50-4B4B-93E7-754CD84F63CC}" type="datetimeFigureOut">
               <a:rPr lang="ko-KR" altLang="en-US" smtClean="0"/>
-              <a:t>2022-02-13</a:t>
+              <a:t>2022-02-14</a:t>
             </a:fld>
             <a:endParaRPr lang="ko-KR" altLang="en-US"/>
           </a:p>
@@ -665,7 +666,7 @@
           <a:p>
             <a:fld id="{BC77C24B-2C50-4B4B-93E7-754CD84F63CC}" type="datetimeFigureOut">
               <a:rPr lang="ko-KR" altLang="en-US" smtClean="0"/>
-              <a:t>2022-02-13</a:t>
+              <a:t>2022-02-14</a:t>
             </a:fld>
             <a:endParaRPr lang="ko-KR" altLang="en-US"/>
           </a:p>
@@ -863,7 +864,7 @@
           <a:p>
             <a:fld id="{BC77C24B-2C50-4B4B-93E7-754CD84F63CC}" type="datetimeFigureOut">
               <a:rPr lang="ko-KR" altLang="en-US" smtClean="0"/>
-              <a:t>2022-02-13</a:t>
+              <a:t>2022-02-14</a:t>
             </a:fld>
             <a:endParaRPr lang="ko-KR" altLang="en-US"/>
           </a:p>
@@ -1138,7 +1139,7 @@
           <a:p>
             <a:fld id="{BC77C24B-2C50-4B4B-93E7-754CD84F63CC}" type="datetimeFigureOut">
               <a:rPr lang="ko-KR" altLang="en-US" smtClean="0"/>
-              <a:t>2022-02-13</a:t>
+              <a:t>2022-02-14</a:t>
             </a:fld>
             <a:endParaRPr lang="ko-KR" altLang="en-US"/>
           </a:p>
@@ -1403,7 +1404,7 @@
           <a:p>
             <a:fld id="{BC77C24B-2C50-4B4B-93E7-754CD84F63CC}" type="datetimeFigureOut">
               <a:rPr lang="ko-KR" altLang="en-US" smtClean="0"/>
-              <a:t>2022-02-13</a:t>
+              <a:t>2022-02-14</a:t>
             </a:fld>
             <a:endParaRPr lang="ko-KR" altLang="en-US"/>
           </a:p>
@@ -1815,7 +1816,7 @@
           <a:p>
             <a:fld id="{BC77C24B-2C50-4B4B-93E7-754CD84F63CC}" type="datetimeFigureOut">
               <a:rPr lang="ko-KR" altLang="en-US" smtClean="0"/>
-              <a:t>2022-02-13</a:t>
+              <a:t>2022-02-14</a:t>
             </a:fld>
             <a:endParaRPr lang="ko-KR" altLang="en-US"/>
           </a:p>
@@ -1956,7 +1957,7 @@
           <a:p>
             <a:fld id="{BC77C24B-2C50-4B4B-93E7-754CD84F63CC}" type="datetimeFigureOut">
               <a:rPr lang="ko-KR" altLang="en-US" smtClean="0"/>
-              <a:t>2022-02-13</a:t>
+              <a:t>2022-02-14</a:t>
             </a:fld>
             <a:endParaRPr lang="ko-KR" altLang="en-US"/>
           </a:p>
@@ -2069,7 +2070,7 @@
           <a:p>
             <a:fld id="{BC77C24B-2C50-4B4B-93E7-754CD84F63CC}" type="datetimeFigureOut">
               <a:rPr lang="ko-KR" altLang="en-US" smtClean="0"/>
-              <a:t>2022-02-13</a:t>
+              <a:t>2022-02-14</a:t>
             </a:fld>
             <a:endParaRPr lang="ko-KR" altLang="en-US"/>
           </a:p>
@@ -2380,7 +2381,7 @@
           <a:p>
             <a:fld id="{BC77C24B-2C50-4B4B-93E7-754CD84F63CC}" type="datetimeFigureOut">
               <a:rPr lang="ko-KR" altLang="en-US" smtClean="0"/>
-              <a:t>2022-02-13</a:t>
+              <a:t>2022-02-14</a:t>
             </a:fld>
             <a:endParaRPr lang="ko-KR" altLang="en-US"/>
           </a:p>
@@ -2668,7 +2669,7 @@
           <a:p>
             <a:fld id="{BC77C24B-2C50-4B4B-93E7-754CD84F63CC}" type="datetimeFigureOut">
               <a:rPr lang="ko-KR" altLang="en-US" smtClean="0"/>
-              <a:t>2022-02-13</a:t>
+              <a:t>2022-02-14</a:t>
             </a:fld>
             <a:endParaRPr lang="ko-KR" altLang="en-US"/>
           </a:p>
@@ -2909,7 +2910,7 @@
           <a:p>
             <a:fld id="{BC77C24B-2C50-4B4B-93E7-754CD84F63CC}" type="datetimeFigureOut">
               <a:rPr lang="ko-KR" altLang="en-US" smtClean="0"/>
-              <a:t>2022-02-13</a:t>
+              <a:t>2022-02-14</a:t>
             </a:fld>
             <a:endParaRPr lang="ko-KR" altLang="en-US"/>
           </a:p>
@@ -3605,10 +3606,10 @@
           <a:p>
             <a:pPr algn="ctr"/>
             <a:r>
-              <a:rPr lang="ko-KR" altLang="en-US" u="sng" dirty="0" err="1"/>
+              <a:rPr lang="ko-KR" altLang="en-US" dirty="0" err="1"/>
               <a:t>호스트닉네임</a:t>
             </a:r>
-            <a:endParaRPr lang="en-US" altLang="ko-KR" u="sng" dirty="0"/>
+            <a:endParaRPr lang="en-US" altLang="ko-KR" dirty="0"/>
           </a:p>
         </p:txBody>
       </p:sp>
@@ -4047,15 +4048,15 @@
           </p:cNvPr>
           <p:cNvCxnSpPr>
             <a:cxnSpLocks/>
-            <a:stCxn id="78" idx="4"/>
+            <a:stCxn id="55" idx="4"/>
             <a:endCxn id="35" idx="0"/>
           </p:cNvCxnSpPr>
           <p:nvPr/>
         </p:nvCxnSpPr>
         <p:spPr>
           <a:xfrm flipH="1">
-            <a:off x="4238866" y="3446626"/>
-            <a:ext cx="686322" cy="433121"/>
+            <a:off x="4238866" y="3170465"/>
+            <a:ext cx="727223" cy="709282"/>
           </a:xfrm>
           <a:prstGeom prst="line">
             <a:avLst/>
@@ -4087,15 +4088,15 @@
           </p:cNvPr>
           <p:cNvCxnSpPr>
             <a:cxnSpLocks/>
-            <a:stCxn id="78" idx="4"/>
+            <a:stCxn id="55" idx="4"/>
             <a:endCxn id="37" idx="0"/>
           </p:cNvCxnSpPr>
           <p:nvPr/>
         </p:nvCxnSpPr>
         <p:spPr>
           <a:xfrm>
-            <a:off x="4925188" y="3446626"/>
-            <a:ext cx="734372" cy="369332"/>
+            <a:off x="4966089" y="3170465"/>
+            <a:ext cx="693471" cy="645493"/>
           </a:xfrm>
           <a:prstGeom prst="line">
             <a:avLst/>
@@ -4127,15 +4128,15 @@
           </p:cNvPr>
           <p:cNvCxnSpPr>
             <a:cxnSpLocks/>
-            <a:stCxn id="78" idx="4"/>
+            <a:stCxn id="55" idx="4"/>
             <a:endCxn id="38" idx="0"/>
           </p:cNvCxnSpPr>
           <p:nvPr/>
         </p:nvCxnSpPr>
         <p:spPr>
           <a:xfrm>
-            <a:off x="4925188" y="3446626"/>
-            <a:ext cx="2188819" cy="325859"/>
+            <a:off x="4966089" y="3170465"/>
+            <a:ext cx="2147918" cy="602020"/>
           </a:xfrm>
           <a:prstGeom prst="line">
             <a:avLst/>
@@ -4277,8 +4278,8 @@
           <a:p>
             <a:pPr algn="ctr"/>
             <a:r>
-              <a:rPr lang="ko-KR" altLang="en-US" dirty="0" err="1"/>
-              <a:t>방제목</a:t>
+              <a:rPr lang="ko-KR" altLang="en-US" dirty="0"/>
+              <a:t>외부 방 제목</a:t>
             </a:r>
             <a:endParaRPr lang="en-US" altLang="ko-KR" dirty="0"/>
           </a:p>
@@ -4616,7 +4617,7 @@
             <a:pPr algn="ctr"/>
             <a:r>
               <a:rPr lang="ko-KR" altLang="en-US" dirty="0"/>
-              <a:t>참여</a:t>
+              <a:t>게임참여</a:t>
             </a:r>
             <a:endParaRPr lang="en-US" altLang="ko-KR" dirty="0"/>
           </a:p>
@@ -4849,10 +4850,10 @@
       </p:sp>
       <p:sp>
         <p:nvSpPr>
-          <p:cNvPr id="78" name="타원 77">
-            <a:extLst>
-              <a:ext uri="{FF2B5EF4-FFF2-40B4-BE49-F238E27FC236}">
-                <a16:creationId xmlns:a16="http://schemas.microsoft.com/office/drawing/2014/main" id="{C7335474-E7D1-4E10-A3F0-40A7BADABBBE}"/>
+          <p:cNvPr id="55" name="타원 54">
+            <a:extLst>
+              <a:ext uri="{FF2B5EF4-FFF2-40B4-BE49-F238E27FC236}">
+                <a16:creationId xmlns:a16="http://schemas.microsoft.com/office/drawing/2014/main" id="{DB19138D-6641-4D79-9496-12269AAC938C}"/>
               </a:ext>
             </a:extLst>
           </p:cNvPr>
@@ -4861,7 +4862,7 @@
         </p:nvSpPr>
         <p:spPr>
           <a:xfrm>
-            <a:off x="4231717" y="2894304"/>
+            <a:off x="4272618" y="2618143"/>
             <a:ext cx="1386942" cy="552322"/>
           </a:xfrm>
           <a:prstGeom prst="ellipse">
@@ -4889,7 +4890,7 @@
             <a:pPr algn="ctr"/>
             <a:r>
               <a:rPr lang="ko-KR" altLang="en-US" dirty="0"/>
-              <a:t>커스터마이징</a:t>
+              <a:t>외형</a:t>
             </a:r>
             <a:endParaRPr lang="en-US" altLang="ko-KR" dirty="0"/>
           </a:p>
@@ -4897,24 +4898,112 @@
       </p:sp>
       <p:cxnSp>
         <p:nvCxnSpPr>
-          <p:cNvPr id="80" name="직선 연결선 79">
-            <a:extLst>
-              <a:ext uri="{FF2B5EF4-FFF2-40B4-BE49-F238E27FC236}">
-                <a16:creationId xmlns:a16="http://schemas.microsoft.com/office/drawing/2014/main" id="{6A978BBC-63AF-478E-BC4A-B05805C1104F}"/>
+          <p:cNvPr id="58" name="직선 연결선 57">
+            <a:extLst>
+              <a:ext uri="{FF2B5EF4-FFF2-40B4-BE49-F238E27FC236}">
+                <a16:creationId xmlns:a16="http://schemas.microsoft.com/office/drawing/2014/main" id="{DA1DA474-2E7C-41B0-86A9-A8CACF4D5AC8}"/>
               </a:ext>
             </a:extLst>
           </p:cNvPr>
           <p:cNvCxnSpPr>
             <a:cxnSpLocks/>
             <a:stCxn id="5" idx="2"/>
-            <a:endCxn id="78" idx="0"/>
+            <a:endCxn id="55" idx="0"/>
           </p:cNvCxnSpPr>
           <p:nvPr/>
         </p:nvCxnSpPr>
         <p:spPr>
           <a:xfrm>
             <a:off x="3415192" y="1917277"/>
-            <a:ext cx="1509996" cy="977027"/>
+            <a:ext cx="1550897" cy="700866"/>
+          </a:xfrm>
+          <a:prstGeom prst="line">
+            <a:avLst/>
+          </a:prstGeom>
+        </p:spPr>
+        <p:style>
+          <a:lnRef idx="2">
+            <a:schemeClr val="dk1"/>
+          </a:lnRef>
+          <a:fillRef idx="0">
+            <a:schemeClr val="dk1"/>
+          </a:fillRef>
+          <a:effectRef idx="1">
+            <a:schemeClr val="dk1"/>
+          </a:effectRef>
+          <a:fontRef idx="minor">
+            <a:schemeClr val="tx1"/>
+          </a:fontRef>
+        </p:style>
+      </p:cxnSp>
+      <p:sp>
+        <p:nvSpPr>
+          <p:cNvPr id="62" name="타원 61">
+            <a:extLst>
+              <a:ext uri="{FF2B5EF4-FFF2-40B4-BE49-F238E27FC236}">
+                <a16:creationId xmlns:a16="http://schemas.microsoft.com/office/drawing/2014/main" id="{A6EF21CD-206F-4DFF-A153-1E303F7A4272}"/>
+              </a:ext>
+            </a:extLst>
+          </p:cNvPr>
+          <p:cNvSpPr/>
+          <p:nvPr/>
+        </p:nvSpPr>
+        <p:spPr>
+          <a:xfrm>
+            <a:off x="10408953" y="3446626"/>
+            <a:ext cx="1386942" cy="552322"/>
+          </a:xfrm>
+          <a:prstGeom prst="ellipse">
+            <a:avLst/>
+          </a:prstGeom>
+        </p:spPr>
+        <p:style>
+          <a:lnRef idx="2">
+            <a:schemeClr val="dk1"/>
+          </a:lnRef>
+          <a:fillRef idx="1">
+            <a:schemeClr val="lt1"/>
+          </a:fillRef>
+          <a:effectRef idx="0">
+            <a:schemeClr val="dk1"/>
+          </a:effectRef>
+          <a:fontRef idx="minor">
+            <a:schemeClr val="dk1"/>
+          </a:fontRef>
+        </p:style>
+        <p:txBody>
+          <a:bodyPr rtlCol="0" anchor="ctr"/>
+          <a:lstStyle/>
+          <a:p>
+            <a:pPr algn="ctr"/>
+            <a:r>
+              <a:rPr lang="ko-KR" altLang="en-US" u="sng" dirty="0"/>
+              <a:t>내부 방 제목</a:t>
+            </a:r>
+            <a:endParaRPr lang="en-US" altLang="ko-KR" u="sng" dirty="0"/>
+          </a:p>
+        </p:txBody>
+      </p:sp>
+      <p:cxnSp>
+        <p:nvCxnSpPr>
+          <p:cNvPr id="63" name="직선 연결선 62">
+            <a:extLst>
+              <a:ext uri="{FF2B5EF4-FFF2-40B4-BE49-F238E27FC236}">
+                <a16:creationId xmlns:a16="http://schemas.microsoft.com/office/drawing/2014/main" id="{E55C3676-6745-41DA-AED8-5AD490E2B028}"/>
+              </a:ext>
+            </a:extLst>
+          </p:cNvPr>
+          <p:cNvCxnSpPr>
+            <a:cxnSpLocks/>
+            <a:stCxn id="62" idx="2"/>
+            <a:endCxn id="29" idx="2"/>
+          </p:cNvCxnSpPr>
+          <p:nvPr/>
+        </p:nvCxnSpPr>
+        <p:spPr>
+          <a:xfrm flipH="1" flipV="1">
+            <a:off x="9221028" y="3255265"/>
+            <a:ext cx="1187925" cy="467522"/>
           </a:xfrm>
           <a:prstGeom prst="line">
             <a:avLst/>
@@ -4939,6 +5028,659 @@
     <p:extLst>
       <p:ext uri="{BB962C8B-B14F-4D97-AF65-F5344CB8AC3E}">
         <p14:creationId xmlns:p14="http://schemas.microsoft.com/office/powerpoint/2010/main" val="3745461506"/>
+      </p:ext>
+    </p:extLst>
+  </p:cSld>
+  <p:clrMapOvr>
+    <a:masterClrMapping/>
+  </p:clrMapOvr>
+</p:sld>
+</file>
+
+<file path=ppt/slides/slide2.xml><?xml version="1.0" encoding="utf-8"?>
+<p:sld xmlns:a="http://schemas.openxmlformats.org/drawingml/2006/main" xmlns:r="http://schemas.openxmlformats.org/officeDocument/2006/relationships" xmlns:p="http://schemas.openxmlformats.org/presentationml/2006/main">
+  <p:cSld>
+    <p:spTree>
+      <p:nvGrpSpPr>
+        <p:cNvPr id="1" name=""/>
+        <p:cNvGrpSpPr/>
+        <p:nvPr/>
+      </p:nvGrpSpPr>
+      <p:grpSpPr>
+        <a:xfrm>
+          <a:off x="0" y="0"/>
+          <a:ext cx="0" cy="0"/>
+          <a:chOff x="0" y="0"/>
+          <a:chExt cx="0" cy="0"/>
+        </a:xfrm>
+      </p:grpSpPr>
+      <p:graphicFrame>
+        <p:nvGraphicFramePr>
+          <p:cNvPr id="4" name="표 4">
+            <a:extLst>
+              <a:ext uri="{FF2B5EF4-FFF2-40B4-BE49-F238E27FC236}">
+                <a16:creationId xmlns:a16="http://schemas.microsoft.com/office/drawing/2014/main" id="{4F08720A-B4B4-497D-BFCA-7CE75C7FBFD7}"/>
+              </a:ext>
+            </a:extLst>
+          </p:cNvPr>
+          <p:cNvGraphicFramePr>
+            <a:graphicFrameLocks noGrp="1"/>
+          </p:cNvGraphicFramePr>
+          <p:nvPr>
+            <p:extLst>
+              <p:ext uri="{D42A27DB-BD31-4B8C-83A1-F6EECF244321}">
+                <p14:modId xmlns:p14="http://schemas.microsoft.com/office/powerpoint/2010/main" val="2519874045"/>
+              </p:ext>
+            </p:extLst>
+          </p:nvPr>
+        </p:nvGraphicFramePr>
+        <p:xfrm>
+          <a:off x="1185333" y="739987"/>
+          <a:ext cx="1774614" cy="370840"/>
+        </p:xfrm>
+        <a:graphic>
+          <a:graphicData uri="http://schemas.openxmlformats.org/drawingml/2006/table">
+            <a:tbl>
+              <a:tblPr firstRow="1" bandRow="1">
+                <a:tableStyleId>{5940675A-B579-460E-94D1-54222C63F5DA}</a:tableStyleId>
+              </a:tblPr>
+              <a:tblGrid>
+                <a:gridCol w="887307">
+                  <a:extLst>
+                    <a:ext uri="{9D8B030D-6E8A-4147-A177-3AD203B41FA5}">
+                      <a16:colId xmlns:a16="http://schemas.microsoft.com/office/drawing/2014/main" val="2108904951"/>
+                    </a:ext>
+                  </a:extLst>
+                </a:gridCol>
+                <a:gridCol w="887307">
+                  <a:extLst>
+                    <a:ext uri="{9D8B030D-6E8A-4147-A177-3AD203B41FA5}">
+                      <a16:colId xmlns:a16="http://schemas.microsoft.com/office/drawing/2014/main" val="1250451855"/>
+                    </a:ext>
+                  </a:extLst>
+                </a:gridCol>
+              </a:tblGrid>
+              <a:tr h="370840">
+                <a:tc>
+                  <a:txBody>
+                    <a:bodyPr/>
+                    <a:lstStyle/>
+                    <a:p>
+                      <a:pPr algn="ctr" latinLnBrk="1"/>
+                      <a:r>
+                        <a:rPr lang="en-US" altLang="ko-KR" u="sng" dirty="0"/>
+                        <a:t>ID</a:t>
+                      </a:r>
+                      <a:endParaRPr lang="ko-KR" altLang="en-US" u="sng" dirty="0"/>
+                    </a:p>
+                  </a:txBody>
+                  <a:tcPr/>
+                </a:tc>
+                <a:tc>
+                  <a:txBody>
+                    <a:bodyPr/>
+                    <a:lstStyle/>
+                    <a:p>
+                      <a:pPr algn="ctr" latinLnBrk="1"/>
+                      <a:r>
+                        <a:rPr lang="en-US" altLang="ko-KR" u="none" dirty="0"/>
+                        <a:t>PW</a:t>
+                      </a:r>
+                      <a:endParaRPr lang="ko-KR" altLang="en-US" u="none" dirty="0"/>
+                    </a:p>
+                  </a:txBody>
+                  <a:tcPr/>
+                </a:tc>
+                <a:extLst>
+                  <a:ext uri="{0D108BD9-81ED-4DB2-BD59-A6C34878D82A}">
+                    <a16:rowId xmlns:a16="http://schemas.microsoft.com/office/drawing/2014/main" val="1672182761"/>
+                  </a:ext>
+                </a:extLst>
+              </a:tr>
+            </a:tbl>
+          </a:graphicData>
+        </a:graphic>
+      </p:graphicFrame>
+      <p:sp>
+        <p:nvSpPr>
+          <p:cNvPr id="5" name="TextBox 4">
+            <a:extLst>
+              <a:ext uri="{FF2B5EF4-FFF2-40B4-BE49-F238E27FC236}">
+                <a16:creationId xmlns:a16="http://schemas.microsoft.com/office/drawing/2014/main" id="{2D93F19B-0756-4AAE-A6E8-A80A0D860C08}"/>
+              </a:ext>
+            </a:extLst>
+          </p:cNvPr>
+          <p:cNvSpPr txBox="1"/>
+          <p:nvPr/>
+        </p:nvSpPr>
+        <p:spPr>
+          <a:xfrm>
+            <a:off x="1185333" y="284480"/>
+            <a:ext cx="1016000" cy="369332"/>
+          </a:xfrm>
+          <a:prstGeom prst="rect">
+            <a:avLst/>
+          </a:prstGeom>
+          <a:noFill/>
+        </p:spPr>
+        <p:txBody>
+          <a:bodyPr wrap="square" rtlCol="0">
+            <a:spAutoFit/>
+          </a:bodyPr>
+          <a:lstStyle/>
+          <a:p>
+            <a:r>
+              <a:rPr lang="ko-KR" altLang="en-US" dirty="0"/>
+              <a:t>계정</a:t>
+            </a:r>
+            <a:endParaRPr lang="en-US" altLang="ko-KR" dirty="0"/>
+          </a:p>
+        </p:txBody>
+      </p:sp>
+      <p:graphicFrame>
+        <p:nvGraphicFramePr>
+          <p:cNvPr id="6" name="표 4">
+            <a:extLst>
+              <a:ext uri="{FF2B5EF4-FFF2-40B4-BE49-F238E27FC236}">
+                <a16:creationId xmlns:a16="http://schemas.microsoft.com/office/drawing/2014/main" id="{0D5A5F8A-07E9-4170-8C6A-F22D400EAB40}"/>
+              </a:ext>
+            </a:extLst>
+          </p:cNvPr>
+          <p:cNvGraphicFramePr>
+            <a:graphicFrameLocks noGrp="1"/>
+          </p:cNvGraphicFramePr>
+          <p:nvPr>
+            <p:extLst>
+              <p:ext uri="{D42A27DB-BD31-4B8C-83A1-F6EECF244321}">
+                <p14:modId xmlns:p14="http://schemas.microsoft.com/office/powerpoint/2010/main" val="4028045984"/>
+              </p:ext>
+            </p:extLst>
+          </p:nvPr>
+        </p:nvGraphicFramePr>
+        <p:xfrm>
+          <a:off x="1314024" y="1976121"/>
+          <a:ext cx="6976536" cy="370840"/>
+        </p:xfrm>
+        <a:graphic>
+          <a:graphicData uri="http://schemas.openxmlformats.org/drawingml/2006/table">
+            <a:tbl>
+              <a:tblPr firstRow="1" bandRow="1">
+                <a:tableStyleId>{5940675A-B579-460E-94D1-54222C63F5DA}</a:tableStyleId>
+              </a:tblPr>
+              <a:tblGrid>
+                <a:gridCol w="1162756">
+                  <a:extLst>
+                    <a:ext uri="{9D8B030D-6E8A-4147-A177-3AD203B41FA5}">
+                      <a16:colId xmlns:a16="http://schemas.microsoft.com/office/drawing/2014/main" val="2108904951"/>
+                    </a:ext>
+                  </a:extLst>
+                </a:gridCol>
+                <a:gridCol w="1162756">
+                  <a:extLst>
+                    <a:ext uri="{9D8B030D-6E8A-4147-A177-3AD203B41FA5}">
+                      <a16:colId xmlns:a16="http://schemas.microsoft.com/office/drawing/2014/main" val="1250451855"/>
+                    </a:ext>
+                  </a:extLst>
+                </a:gridCol>
+                <a:gridCol w="1162756">
+                  <a:extLst>
+                    <a:ext uri="{9D8B030D-6E8A-4147-A177-3AD203B41FA5}">
+                      <a16:colId xmlns:a16="http://schemas.microsoft.com/office/drawing/2014/main" val="2331922536"/>
+                    </a:ext>
+                  </a:extLst>
+                </a:gridCol>
+                <a:gridCol w="1162756">
+                  <a:extLst>
+                    <a:ext uri="{9D8B030D-6E8A-4147-A177-3AD203B41FA5}">
+                      <a16:colId xmlns:a16="http://schemas.microsoft.com/office/drawing/2014/main" val="4068385577"/>
+                    </a:ext>
+                  </a:extLst>
+                </a:gridCol>
+                <a:gridCol w="1162756">
+                  <a:extLst>
+                    <a:ext uri="{9D8B030D-6E8A-4147-A177-3AD203B41FA5}">
+                      <a16:colId xmlns:a16="http://schemas.microsoft.com/office/drawing/2014/main" val="332350341"/>
+                    </a:ext>
+                  </a:extLst>
+                </a:gridCol>
+                <a:gridCol w="1162756">
+                  <a:extLst>
+                    <a:ext uri="{9D8B030D-6E8A-4147-A177-3AD203B41FA5}">
+                      <a16:colId xmlns:a16="http://schemas.microsoft.com/office/drawing/2014/main" val="3039746353"/>
+                    </a:ext>
+                  </a:extLst>
+                </a:gridCol>
+              </a:tblGrid>
+              <a:tr h="370840">
+                <a:tc>
+                  <a:txBody>
+                    <a:bodyPr/>
+                    <a:lstStyle/>
+                    <a:p>
+                      <a:pPr algn="ctr" latinLnBrk="1"/>
+                      <a:r>
+                        <a:rPr lang="ko-KR" altLang="en-US" u="sng" dirty="0"/>
+                        <a:t>닉네임</a:t>
+                      </a:r>
+                    </a:p>
+                  </a:txBody>
+                  <a:tcPr/>
+                </a:tc>
+                <a:tc>
+                  <a:txBody>
+                    <a:bodyPr/>
+                    <a:lstStyle/>
+                    <a:p>
+                      <a:pPr algn="ctr" latinLnBrk="1"/>
+                      <a:r>
+                        <a:rPr lang="ko-KR" altLang="en-US" u="none" dirty="0"/>
+                        <a:t>레벨</a:t>
+                      </a:r>
+                    </a:p>
+                  </a:txBody>
+                  <a:tcPr/>
+                </a:tc>
+                <a:tc>
+                  <a:txBody>
+                    <a:bodyPr/>
+                    <a:lstStyle/>
+                    <a:p>
+                      <a:pPr algn="ctr" latinLnBrk="1"/>
+                      <a:r>
+                        <a:rPr lang="ko-KR" altLang="en-US" u="none" dirty="0"/>
+                        <a:t>접속상태</a:t>
+                      </a:r>
+                    </a:p>
+                  </a:txBody>
+                  <a:tcPr/>
+                </a:tc>
+                <a:tc>
+                  <a:txBody>
+                    <a:bodyPr/>
+                    <a:lstStyle/>
+                    <a:p>
+                      <a:pPr algn="ctr" latinLnBrk="1"/>
+                      <a:r>
+                        <a:rPr lang="en-US" altLang="ko-KR" u="none" dirty="0"/>
+                        <a:t>ID</a:t>
+                      </a:r>
+                      <a:endParaRPr lang="ko-KR" altLang="en-US" u="none" dirty="0"/>
+                    </a:p>
+                  </a:txBody>
+                  <a:tcPr/>
+                </a:tc>
+                <a:tc>
+                  <a:txBody>
+                    <a:bodyPr/>
+                    <a:lstStyle/>
+                    <a:p>
+                      <a:pPr algn="ctr" latinLnBrk="1"/>
+                      <a:r>
+                        <a:rPr lang="ko-KR" altLang="en-US" u="none" dirty="0"/>
+                        <a:t>부위</a:t>
+                      </a:r>
+                      <a:r>
+                        <a:rPr lang="en-US" altLang="ko-KR" u="none" dirty="0"/>
+                        <a:t>1</a:t>
+                      </a:r>
+                      <a:endParaRPr lang="ko-KR" altLang="en-US" u="none" dirty="0"/>
+                    </a:p>
+                  </a:txBody>
+                  <a:tcPr/>
+                </a:tc>
+                <a:tc>
+                  <a:txBody>
+                    <a:bodyPr/>
+                    <a:lstStyle/>
+                    <a:p>
+                      <a:pPr algn="ctr" latinLnBrk="1"/>
+                      <a:r>
+                        <a:rPr lang="ko-KR" altLang="en-US" u="none" dirty="0"/>
+                        <a:t>부위</a:t>
+                      </a:r>
+                      <a:r>
+                        <a:rPr lang="en-US" altLang="ko-KR" u="none" dirty="0"/>
+                        <a:t>2</a:t>
+                      </a:r>
+                      <a:endParaRPr lang="ko-KR" altLang="en-US" u="none" dirty="0"/>
+                    </a:p>
+                  </a:txBody>
+                  <a:tcPr/>
+                </a:tc>
+                <a:extLst>
+                  <a:ext uri="{0D108BD9-81ED-4DB2-BD59-A6C34878D82A}">
+                    <a16:rowId xmlns:a16="http://schemas.microsoft.com/office/drawing/2014/main" val="1672182761"/>
+                  </a:ext>
+                </a:extLst>
+              </a:tr>
+            </a:tbl>
+          </a:graphicData>
+        </a:graphic>
+      </p:graphicFrame>
+      <p:sp>
+        <p:nvSpPr>
+          <p:cNvPr id="7" name="TextBox 6">
+            <a:extLst>
+              <a:ext uri="{FF2B5EF4-FFF2-40B4-BE49-F238E27FC236}">
+                <a16:creationId xmlns:a16="http://schemas.microsoft.com/office/drawing/2014/main" id="{4D8500B6-2493-4910-B621-C54A58359400}"/>
+              </a:ext>
+            </a:extLst>
+          </p:cNvPr>
+          <p:cNvSpPr txBox="1"/>
+          <p:nvPr/>
+        </p:nvSpPr>
+        <p:spPr>
+          <a:xfrm>
+            <a:off x="1314026" y="1520614"/>
+            <a:ext cx="1016000" cy="369332"/>
+          </a:xfrm>
+          <a:prstGeom prst="rect">
+            <a:avLst/>
+          </a:prstGeom>
+          <a:noFill/>
+        </p:spPr>
+        <p:txBody>
+          <a:bodyPr wrap="square" rtlCol="0">
+            <a:spAutoFit/>
+          </a:bodyPr>
+          <a:lstStyle/>
+          <a:p>
+            <a:r>
+              <a:rPr lang="ko-KR" altLang="en-US" dirty="0"/>
+              <a:t>캐릭터</a:t>
+            </a:r>
+            <a:endParaRPr lang="en-US" altLang="ko-KR" dirty="0"/>
+          </a:p>
+        </p:txBody>
+      </p:sp>
+      <p:graphicFrame>
+        <p:nvGraphicFramePr>
+          <p:cNvPr id="10" name="표 4">
+            <a:extLst>
+              <a:ext uri="{FF2B5EF4-FFF2-40B4-BE49-F238E27FC236}">
+                <a16:creationId xmlns:a16="http://schemas.microsoft.com/office/drawing/2014/main" id="{73CEB4E4-FF9B-4FE9-A31F-A597C5A7C7AE}"/>
+              </a:ext>
+            </a:extLst>
+          </p:cNvPr>
+          <p:cNvGraphicFramePr>
+            <a:graphicFrameLocks noGrp="1"/>
+          </p:cNvGraphicFramePr>
+          <p:nvPr>
+            <p:extLst>
+              <p:ext uri="{D42A27DB-BD31-4B8C-83A1-F6EECF244321}">
+                <p14:modId xmlns:p14="http://schemas.microsoft.com/office/powerpoint/2010/main" val="3241044455"/>
+              </p:ext>
+            </p:extLst>
+          </p:nvPr>
+        </p:nvGraphicFramePr>
+        <p:xfrm>
+          <a:off x="1249677" y="3429000"/>
+          <a:ext cx="4651024" cy="640080"/>
+        </p:xfrm>
+        <a:graphic>
+          <a:graphicData uri="http://schemas.openxmlformats.org/drawingml/2006/table">
+            <a:tbl>
+              <a:tblPr firstRow="1" bandRow="1">
+                <a:tableStyleId>{5940675A-B579-460E-94D1-54222C63F5DA}</a:tableStyleId>
+              </a:tblPr>
+              <a:tblGrid>
+                <a:gridCol w="1162756">
+                  <a:extLst>
+                    <a:ext uri="{9D8B030D-6E8A-4147-A177-3AD203B41FA5}">
+                      <a16:colId xmlns:a16="http://schemas.microsoft.com/office/drawing/2014/main" val="2108904951"/>
+                    </a:ext>
+                  </a:extLst>
+                </a:gridCol>
+                <a:gridCol w="1162756">
+                  <a:extLst>
+                    <a:ext uri="{9D8B030D-6E8A-4147-A177-3AD203B41FA5}">
+                      <a16:colId xmlns:a16="http://schemas.microsoft.com/office/drawing/2014/main" val="1250451855"/>
+                    </a:ext>
+                  </a:extLst>
+                </a:gridCol>
+                <a:gridCol w="1162756">
+                  <a:extLst>
+                    <a:ext uri="{9D8B030D-6E8A-4147-A177-3AD203B41FA5}">
+                      <a16:colId xmlns:a16="http://schemas.microsoft.com/office/drawing/2014/main" val="2331922536"/>
+                    </a:ext>
+                  </a:extLst>
+                </a:gridCol>
+                <a:gridCol w="1162756">
+                  <a:extLst>
+                    <a:ext uri="{9D8B030D-6E8A-4147-A177-3AD203B41FA5}">
+                      <a16:colId xmlns:a16="http://schemas.microsoft.com/office/drawing/2014/main" val="4068385577"/>
+                    </a:ext>
+                  </a:extLst>
+                </a:gridCol>
+              </a:tblGrid>
+              <a:tr h="370840">
+                <a:tc>
+                  <a:txBody>
+                    <a:bodyPr/>
+                    <a:lstStyle/>
+                    <a:p>
+                      <a:pPr algn="ctr" latinLnBrk="1"/>
+                      <a:r>
+                        <a:rPr lang="ko-KR" altLang="en-US" u="sng" dirty="0"/>
+                        <a:t>내부 방 제목</a:t>
+                      </a:r>
+                    </a:p>
+                  </a:txBody>
+                  <a:tcPr/>
+                </a:tc>
+                <a:tc>
+                  <a:txBody>
+                    <a:bodyPr/>
+                    <a:lstStyle/>
+                    <a:p>
+                      <a:pPr algn="ctr" latinLnBrk="1"/>
+                      <a:r>
+                        <a:rPr lang="ko-KR" altLang="en-US" u="none" dirty="0"/>
+                        <a:t>외부 방 제목</a:t>
+                      </a:r>
+                    </a:p>
+                  </a:txBody>
+                  <a:tcPr/>
+                </a:tc>
+                <a:tc>
+                  <a:txBody>
+                    <a:bodyPr/>
+                    <a:lstStyle/>
+                    <a:p>
+                      <a:pPr algn="ctr" latinLnBrk="1"/>
+                      <a:r>
+                        <a:rPr lang="ko-KR" altLang="en-US" u="none" dirty="0"/>
+                        <a:t>최대 인원 수</a:t>
+                      </a:r>
+                    </a:p>
+                  </a:txBody>
+                  <a:tcPr/>
+                </a:tc>
+                <a:tc>
+                  <a:txBody>
+                    <a:bodyPr/>
+                    <a:lstStyle/>
+                    <a:p>
+                      <a:pPr algn="ctr" latinLnBrk="1"/>
+                      <a:r>
+                        <a:rPr lang="ko-KR" altLang="en-US" u="none" dirty="0"/>
+                        <a:t>호스트 닉네임</a:t>
+                      </a:r>
+                    </a:p>
+                  </a:txBody>
+                  <a:tcPr/>
+                </a:tc>
+                <a:extLst>
+                  <a:ext uri="{0D108BD9-81ED-4DB2-BD59-A6C34878D82A}">
+                    <a16:rowId xmlns:a16="http://schemas.microsoft.com/office/drawing/2014/main" val="1672182761"/>
+                  </a:ext>
+                </a:extLst>
+              </a:tr>
+            </a:tbl>
+          </a:graphicData>
+        </a:graphic>
+      </p:graphicFrame>
+      <p:sp>
+        <p:nvSpPr>
+          <p:cNvPr id="11" name="TextBox 10">
+            <a:extLst>
+              <a:ext uri="{FF2B5EF4-FFF2-40B4-BE49-F238E27FC236}">
+                <a16:creationId xmlns:a16="http://schemas.microsoft.com/office/drawing/2014/main" id="{230F09C4-2AF7-4280-BFE4-DA8312AC413C}"/>
+              </a:ext>
+            </a:extLst>
+          </p:cNvPr>
+          <p:cNvSpPr txBox="1"/>
+          <p:nvPr/>
+        </p:nvSpPr>
+        <p:spPr>
+          <a:xfrm>
+            <a:off x="1249679" y="2973493"/>
+            <a:ext cx="1016000" cy="369332"/>
+          </a:xfrm>
+          <a:prstGeom prst="rect">
+            <a:avLst/>
+          </a:prstGeom>
+          <a:noFill/>
+        </p:spPr>
+        <p:txBody>
+          <a:bodyPr wrap="square" rtlCol="0">
+            <a:spAutoFit/>
+          </a:bodyPr>
+          <a:lstStyle/>
+          <a:p>
+            <a:r>
+              <a:rPr lang="ko-KR" altLang="en-US" dirty="0"/>
+              <a:t>방</a:t>
+            </a:r>
+            <a:endParaRPr lang="en-US" altLang="ko-KR" dirty="0"/>
+          </a:p>
+        </p:txBody>
+      </p:sp>
+      <p:graphicFrame>
+        <p:nvGraphicFramePr>
+          <p:cNvPr id="12" name="표 4">
+            <a:extLst>
+              <a:ext uri="{FF2B5EF4-FFF2-40B4-BE49-F238E27FC236}">
+                <a16:creationId xmlns:a16="http://schemas.microsoft.com/office/drawing/2014/main" id="{9D3F6C06-890F-43D7-88F3-84CFF5A4F2AE}"/>
+              </a:ext>
+            </a:extLst>
+          </p:cNvPr>
+          <p:cNvGraphicFramePr>
+            <a:graphicFrameLocks noGrp="1"/>
+          </p:cNvGraphicFramePr>
+          <p:nvPr>
+            <p:extLst>
+              <p:ext uri="{D42A27DB-BD31-4B8C-83A1-F6EECF244321}">
+                <p14:modId xmlns:p14="http://schemas.microsoft.com/office/powerpoint/2010/main" val="181063906"/>
+              </p:ext>
+            </p:extLst>
+          </p:nvPr>
+        </p:nvGraphicFramePr>
+        <p:xfrm>
+          <a:off x="1314024" y="5205491"/>
+          <a:ext cx="2325512" cy="640080"/>
+        </p:xfrm>
+        <a:graphic>
+          <a:graphicData uri="http://schemas.openxmlformats.org/drawingml/2006/table">
+            <a:tbl>
+              <a:tblPr firstRow="1" bandRow="1">
+                <a:tableStyleId>{5940675A-B579-460E-94D1-54222C63F5DA}</a:tableStyleId>
+              </a:tblPr>
+              <a:tblGrid>
+                <a:gridCol w="1162756">
+                  <a:extLst>
+                    <a:ext uri="{9D8B030D-6E8A-4147-A177-3AD203B41FA5}">
+                      <a16:colId xmlns:a16="http://schemas.microsoft.com/office/drawing/2014/main" val="2108904951"/>
+                    </a:ext>
+                  </a:extLst>
+                </a:gridCol>
+                <a:gridCol w="1162756">
+                  <a:extLst>
+                    <a:ext uri="{9D8B030D-6E8A-4147-A177-3AD203B41FA5}">
+                      <a16:colId xmlns:a16="http://schemas.microsoft.com/office/drawing/2014/main" val="1250451855"/>
+                    </a:ext>
+                  </a:extLst>
+                </a:gridCol>
+              </a:tblGrid>
+              <a:tr h="370840">
+                <a:tc>
+                  <a:txBody>
+                    <a:bodyPr/>
+                    <a:lstStyle/>
+                    <a:p>
+                      <a:pPr algn="ctr" latinLnBrk="1"/>
+                      <a:r>
+                        <a:rPr lang="ko-KR" altLang="en-US" u="none" dirty="0"/>
+                        <a:t>내부 방 제목</a:t>
+                      </a:r>
+                    </a:p>
+                  </a:txBody>
+                  <a:tcPr/>
+                </a:tc>
+                <a:tc>
+                  <a:txBody>
+                    <a:bodyPr/>
+                    <a:lstStyle/>
+                    <a:p>
+                      <a:pPr algn="ctr" latinLnBrk="1"/>
+                      <a:r>
+                        <a:rPr lang="ko-KR" altLang="en-US" u="sng" dirty="0"/>
+                        <a:t>닉네임</a:t>
+                      </a:r>
+                    </a:p>
+                  </a:txBody>
+                  <a:tcPr/>
+                </a:tc>
+                <a:extLst>
+                  <a:ext uri="{0D108BD9-81ED-4DB2-BD59-A6C34878D82A}">
+                    <a16:rowId xmlns:a16="http://schemas.microsoft.com/office/drawing/2014/main" val="1672182761"/>
+                  </a:ext>
+                </a:extLst>
+              </a:tr>
+            </a:tbl>
+          </a:graphicData>
+        </a:graphic>
+      </p:graphicFrame>
+      <p:sp>
+        <p:nvSpPr>
+          <p:cNvPr id="13" name="TextBox 12">
+            <a:extLst>
+              <a:ext uri="{FF2B5EF4-FFF2-40B4-BE49-F238E27FC236}">
+                <a16:creationId xmlns:a16="http://schemas.microsoft.com/office/drawing/2014/main" id="{407EF9F3-0188-4717-9D6D-CFCF1EDE301B}"/>
+              </a:ext>
+            </a:extLst>
+          </p:cNvPr>
+          <p:cNvSpPr txBox="1"/>
+          <p:nvPr/>
+        </p:nvSpPr>
+        <p:spPr>
+          <a:xfrm>
+            <a:off x="1314026" y="4749984"/>
+            <a:ext cx="1388534" cy="369332"/>
+          </a:xfrm>
+          <a:prstGeom prst="rect">
+            <a:avLst/>
+          </a:prstGeom>
+          <a:noFill/>
+        </p:spPr>
+        <p:txBody>
+          <a:bodyPr wrap="square" rtlCol="0">
+            <a:spAutoFit/>
+          </a:bodyPr>
+          <a:lstStyle/>
+          <a:p>
+            <a:r>
+              <a:rPr lang="ko-KR" altLang="en-US"/>
+              <a:t>게임참여</a:t>
+            </a:r>
+            <a:endParaRPr lang="en-US" altLang="ko-KR" dirty="0"/>
+          </a:p>
+        </p:txBody>
+      </p:sp>
+    </p:spTree>
+    <p:extLst>
+      <p:ext uri="{BB962C8B-B14F-4D97-AF65-F5344CB8AC3E}">
+        <p14:creationId xmlns:p14="http://schemas.microsoft.com/office/powerpoint/2010/main" val="2916085928"/>
       </p:ext>
     </p:extLst>
   </p:cSld>
@@ -5244,18 +5986,18 @@
 </file>
 
 <file path=customXml/item1.xml><?xml version="1.0" encoding="utf-8"?>
-<p:properties xmlns:p="http://schemas.microsoft.com/office/2006/metadata/properties" xmlns:xsi="http://www.w3.org/2001/XMLSchema-instance" xmlns:pc="http://schemas.microsoft.com/office/infopath/2007/PartnerControls">
-  <documentManagement/>
-</p:properties>
-</file>
-
-<file path=customXml/item2.xml><?xml version="1.0" encoding="utf-8"?>
 <?mso-contentType ?>
 <FormTemplates xmlns="http://schemas.microsoft.com/sharepoint/v3/contenttype/forms">
   <Display>DocumentLibraryForm</Display>
   <Edit>DocumentLibraryForm</Edit>
   <New>DocumentLibraryForm</New>
 </FormTemplates>
+</file>
+
+<file path=customXml/item2.xml><?xml version="1.0" encoding="utf-8"?>
+<p:properties xmlns:p="http://schemas.microsoft.com/office/2006/metadata/properties" xmlns:xsi="http://www.w3.org/2001/XMLSchema-instance" xmlns:pc="http://schemas.microsoft.com/office/infopath/2007/PartnerControls">
+  <documentManagement/>
+</p:properties>
 </file>
 
 <file path=customXml/item3.xml><?xml version="1.0" encoding="utf-8"?>
@@ -5405,6 +6147,14 @@
 </file>
 
 <file path=customXml/itemProps1.xml><?xml version="1.0" encoding="utf-8"?>
+<ds:datastoreItem xmlns:ds="http://schemas.openxmlformats.org/officeDocument/2006/customXml" ds:itemID="{B8CCF581-223F-4DB2-AF68-27B3BF8341E0}">
+  <ds:schemaRefs>
+    <ds:schemaRef ds:uri="http://schemas.microsoft.com/sharepoint/v3/contenttype/forms"/>
+  </ds:schemaRefs>
+</ds:datastoreItem>
+</file>
+
+<file path=customXml/itemProps2.xml><?xml version="1.0" encoding="utf-8"?>
 <ds:datastoreItem xmlns:ds="http://schemas.openxmlformats.org/officeDocument/2006/customXml" ds:itemID="{21C047C3-56CF-4705-9911-3A25DC2B5B65}">
   <ds:schemaRefs>
     <ds:schemaRef ds:uri="http://schemas.microsoft.com/office/2006/documentManagement/types"/>
@@ -5416,14 +6166,6 @@
     <ds:schemaRef ds:uri="http://purl.org/dc/terms/"/>
     <ds:schemaRef ds:uri="ccfd3946-8f19-43a6-b98f-2cdd678b068e"/>
     <ds:schemaRef ds:uri="http://schemas.microsoft.com/office/infopath/2007/PartnerControls"/>
-  </ds:schemaRefs>
-</ds:datastoreItem>
-</file>
-
-<file path=customXml/itemProps2.xml><?xml version="1.0" encoding="utf-8"?>
-<ds:datastoreItem xmlns:ds="http://schemas.openxmlformats.org/officeDocument/2006/customXml" ds:itemID="{B8CCF581-223F-4DB2-AF68-27B3BF8341E0}">
-  <ds:schemaRefs>
-    <ds:schemaRef ds:uri="http://schemas.microsoft.com/sharepoint/v3/contenttype/forms"/>
   </ds:schemaRefs>
 </ds:datastoreItem>
 </file>

--- a/document/ER모델.pptx
+++ b/document/ER모델.pptx
@@ -113,6 +113,43 @@
 </p:presentation>
 </file>
 
+<file path=ppt/revisionInfo.xml><?xml version="1.0" encoding="utf-8"?>
+<p1510:revInfo xmlns:a="http://schemas.openxmlformats.org/drawingml/2006/main" xmlns:r="http://schemas.openxmlformats.org/officeDocument/2006/relationships" xmlns:p1510="http://schemas.microsoft.com/office/powerpoint/2015/10/main">
+  <p1510:revLst>
+    <p1510:client id="{8E641FBC-9CE0-4958-912F-C8BD5D2CE33B}" v="2" dt="2022-02-22T06:29:23.425"/>
+  </p1510:revLst>
+</p1510:revInfo>
+</file>
+
+<file path=ppt/changesInfos/changesInfo1.xml><?xml version="1.0" encoding="utf-8"?>
+<pc:chgInfo xmlns:a="http://schemas.openxmlformats.org/drawingml/2006/main" xmlns:r="http://schemas.openxmlformats.org/officeDocument/2006/relationships" xmlns:ac="http://schemas.microsoft.com/office/drawing/2013/main/command" xmlns:pc="http://schemas.microsoft.com/office/powerpoint/2013/main/command">
+  <pc:docChgLst>
+    <pc:chgData name="명진 김" userId="2d30f7dbac7f24d8" providerId="LiveId" clId="{8E641FBC-9CE0-4958-912F-C8BD5D2CE33B}"/>
+    <pc:docChg chg="modSld">
+      <pc:chgData name="명진 김" userId="2d30f7dbac7f24d8" providerId="LiveId" clId="{8E641FBC-9CE0-4958-912F-C8BD5D2CE33B}" dt="2022-02-22T06:29:23.582" v="38" actId="20577"/>
+      <pc:docMkLst>
+        <pc:docMk/>
+      </pc:docMkLst>
+      <pc:sldChg chg="modSp mod">
+        <pc:chgData name="명진 김" userId="2d30f7dbac7f24d8" providerId="LiveId" clId="{8E641FBC-9CE0-4958-912F-C8BD5D2CE33B}" dt="2022-02-22T06:29:23.582" v="38" actId="20577"/>
+        <pc:sldMkLst>
+          <pc:docMk/>
+          <pc:sldMk cId="2916085928" sldId="257"/>
+        </pc:sldMkLst>
+        <pc:graphicFrameChg chg="mod modGraphic">
+          <ac:chgData name="명진 김" userId="2d30f7dbac7f24d8" providerId="LiveId" clId="{8E641FBC-9CE0-4958-912F-C8BD5D2CE33B}" dt="2022-02-22T06:29:23.582" v="38" actId="20577"/>
+          <ac:graphicFrameMkLst>
+            <pc:docMk/>
+            <pc:sldMk cId="2916085928" sldId="257"/>
+            <ac:graphicFrameMk id="10" creationId="{73CEB4E4-FF9B-4FE9-A31F-A597C5A7C7AE}"/>
+          </ac:graphicFrameMkLst>
+        </pc:graphicFrameChg>
+      </pc:sldChg>
+    </pc:docChg>
+  </pc:docChgLst>
+</pc:chgInfo>
+</file>
+
 <file path=ppt/slideLayouts/slideLayout1.xml><?xml version="1.0" encoding="utf-8"?>
 <p:sldLayout xmlns:a="http://schemas.openxmlformats.org/drawingml/2006/main" xmlns:r="http://schemas.openxmlformats.org/officeDocument/2006/relationships" xmlns:p="http://schemas.openxmlformats.org/presentationml/2006/main" type="title" preserve="1">
   <p:cSld name="제목 슬라이드">
@@ -260,7 +297,7 @@
           <a:p>
             <a:fld id="{BC77C24B-2C50-4B4B-93E7-754CD84F63CC}" type="datetimeFigureOut">
               <a:rPr lang="ko-KR" altLang="en-US" smtClean="0"/>
-              <a:t>2022-02-14</a:t>
+              <a:t>2022-02-22</a:t>
             </a:fld>
             <a:endParaRPr lang="ko-KR" altLang="en-US"/>
           </a:p>
@@ -458,7 +495,7 @@
           <a:p>
             <a:fld id="{BC77C24B-2C50-4B4B-93E7-754CD84F63CC}" type="datetimeFigureOut">
               <a:rPr lang="ko-KR" altLang="en-US" smtClean="0"/>
-              <a:t>2022-02-14</a:t>
+              <a:t>2022-02-22</a:t>
             </a:fld>
             <a:endParaRPr lang="ko-KR" altLang="en-US"/>
           </a:p>
@@ -666,7 +703,7 @@
           <a:p>
             <a:fld id="{BC77C24B-2C50-4B4B-93E7-754CD84F63CC}" type="datetimeFigureOut">
               <a:rPr lang="ko-KR" altLang="en-US" smtClean="0"/>
-              <a:t>2022-02-14</a:t>
+              <a:t>2022-02-22</a:t>
             </a:fld>
             <a:endParaRPr lang="ko-KR" altLang="en-US"/>
           </a:p>
@@ -864,7 +901,7 @@
           <a:p>
             <a:fld id="{BC77C24B-2C50-4B4B-93E7-754CD84F63CC}" type="datetimeFigureOut">
               <a:rPr lang="ko-KR" altLang="en-US" smtClean="0"/>
-              <a:t>2022-02-14</a:t>
+              <a:t>2022-02-22</a:t>
             </a:fld>
             <a:endParaRPr lang="ko-KR" altLang="en-US"/>
           </a:p>
@@ -1139,7 +1176,7 @@
           <a:p>
             <a:fld id="{BC77C24B-2C50-4B4B-93E7-754CD84F63CC}" type="datetimeFigureOut">
               <a:rPr lang="ko-KR" altLang="en-US" smtClean="0"/>
-              <a:t>2022-02-14</a:t>
+              <a:t>2022-02-22</a:t>
             </a:fld>
             <a:endParaRPr lang="ko-KR" altLang="en-US"/>
           </a:p>
@@ -1404,7 +1441,7 @@
           <a:p>
             <a:fld id="{BC77C24B-2C50-4B4B-93E7-754CD84F63CC}" type="datetimeFigureOut">
               <a:rPr lang="ko-KR" altLang="en-US" smtClean="0"/>
-              <a:t>2022-02-14</a:t>
+              <a:t>2022-02-22</a:t>
             </a:fld>
             <a:endParaRPr lang="ko-KR" altLang="en-US"/>
           </a:p>
@@ -1816,7 +1853,7 @@
           <a:p>
             <a:fld id="{BC77C24B-2C50-4B4B-93E7-754CD84F63CC}" type="datetimeFigureOut">
               <a:rPr lang="ko-KR" altLang="en-US" smtClean="0"/>
-              <a:t>2022-02-14</a:t>
+              <a:t>2022-02-22</a:t>
             </a:fld>
             <a:endParaRPr lang="ko-KR" altLang="en-US"/>
           </a:p>
@@ -1957,7 +1994,7 @@
           <a:p>
             <a:fld id="{BC77C24B-2C50-4B4B-93E7-754CD84F63CC}" type="datetimeFigureOut">
               <a:rPr lang="ko-KR" altLang="en-US" smtClean="0"/>
-              <a:t>2022-02-14</a:t>
+              <a:t>2022-02-22</a:t>
             </a:fld>
             <a:endParaRPr lang="ko-KR" altLang="en-US"/>
           </a:p>
@@ -2070,7 +2107,7 @@
           <a:p>
             <a:fld id="{BC77C24B-2C50-4B4B-93E7-754CD84F63CC}" type="datetimeFigureOut">
               <a:rPr lang="ko-KR" altLang="en-US" smtClean="0"/>
-              <a:t>2022-02-14</a:t>
+              <a:t>2022-02-22</a:t>
             </a:fld>
             <a:endParaRPr lang="ko-KR" altLang="en-US"/>
           </a:p>
@@ -2381,7 +2418,7 @@
           <a:p>
             <a:fld id="{BC77C24B-2C50-4B4B-93E7-754CD84F63CC}" type="datetimeFigureOut">
               <a:rPr lang="ko-KR" altLang="en-US" smtClean="0"/>
-              <a:t>2022-02-14</a:t>
+              <a:t>2022-02-22</a:t>
             </a:fld>
             <a:endParaRPr lang="ko-KR" altLang="en-US"/>
           </a:p>
@@ -2669,7 +2706,7 @@
           <a:p>
             <a:fld id="{BC77C24B-2C50-4B4B-93E7-754CD84F63CC}" type="datetimeFigureOut">
               <a:rPr lang="ko-KR" altLang="en-US" smtClean="0"/>
-              <a:t>2022-02-14</a:t>
+              <a:t>2022-02-22</a:t>
             </a:fld>
             <a:endParaRPr lang="ko-KR" altLang="en-US"/>
           </a:p>
@@ -2910,7 +2947,7 @@
           <a:p>
             <a:fld id="{BC77C24B-2C50-4B4B-93E7-754CD84F63CC}" type="datetimeFigureOut">
               <a:rPr lang="ko-KR" altLang="en-US" smtClean="0"/>
-              <a:t>2022-02-14</a:t>
+              <a:t>2022-02-22</a:t>
             </a:fld>
             <a:endParaRPr lang="ko-KR" altLang="en-US"/>
           </a:p>
@@ -5408,14 +5445,14 @@
           <p:nvPr>
             <p:extLst>
               <p:ext uri="{D42A27DB-BD31-4B8C-83A1-F6EECF244321}">
-                <p14:modId xmlns:p14="http://schemas.microsoft.com/office/powerpoint/2010/main" val="3241044455"/>
+                <p14:modId xmlns:p14="http://schemas.microsoft.com/office/powerpoint/2010/main" val="3115857775"/>
               </p:ext>
             </p:extLst>
           </p:nvPr>
         </p:nvGraphicFramePr>
         <p:xfrm>
-          <a:off x="1249677" y="3429000"/>
-          <a:ext cx="4651024" cy="640080"/>
+          <a:off x="1249676" y="3429000"/>
+          <a:ext cx="6522726" cy="640080"/>
         </p:xfrm>
         <a:graphic>
           <a:graphicData uri="http://schemas.openxmlformats.org/drawingml/2006/table">
@@ -5424,28 +5461,42 @@
                 <a:tableStyleId>{5940675A-B579-460E-94D1-54222C63F5DA}</a:tableStyleId>
               </a:tblPr>
               <a:tblGrid>
-                <a:gridCol w="1162756">
+                <a:gridCol w="1087121">
                   <a:extLst>
                     <a:ext uri="{9D8B030D-6E8A-4147-A177-3AD203B41FA5}">
                       <a16:colId xmlns:a16="http://schemas.microsoft.com/office/drawing/2014/main" val="2108904951"/>
                     </a:ext>
                   </a:extLst>
                 </a:gridCol>
-                <a:gridCol w="1162756">
+                <a:gridCol w="1087121">
                   <a:extLst>
                     <a:ext uri="{9D8B030D-6E8A-4147-A177-3AD203B41FA5}">
                       <a16:colId xmlns:a16="http://schemas.microsoft.com/office/drawing/2014/main" val="1250451855"/>
                     </a:ext>
                   </a:extLst>
                 </a:gridCol>
-                <a:gridCol w="1162756">
+                <a:gridCol w="1087121">
                   <a:extLst>
                     <a:ext uri="{9D8B030D-6E8A-4147-A177-3AD203B41FA5}">
                       <a16:colId xmlns:a16="http://schemas.microsoft.com/office/drawing/2014/main" val="2331922536"/>
                     </a:ext>
                   </a:extLst>
                 </a:gridCol>
-                <a:gridCol w="1162756">
+                <a:gridCol w="1087121">
+                  <a:extLst>
+                    <a:ext uri="{9D8B030D-6E8A-4147-A177-3AD203B41FA5}">
+                      <a16:colId xmlns:a16="http://schemas.microsoft.com/office/drawing/2014/main" val="3420638686"/>
+                    </a:ext>
+                  </a:extLst>
+                </a:gridCol>
+                <a:gridCol w="1087121">
+                  <a:extLst>
+                    <a:ext uri="{9D8B030D-6E8A-4147-A177-3AD203B41FA5}">
+                      <a16:colId xmlns:a16="http://schemas.microsoft.com/office/drawing/2014/main" val="353038144"/>
+                    </a:ext>
+                  </a:extLst>
+                </a:gridCol>
+                <a:gridCol w="1087121">
                   <a:extLst>
                     <a:ext uri="{9D8B030D-6E8A-4147-A177-3AD203B41FA5}">
                       <a16:colId xmlns:a16="http://schemas.microsoft.com/office/drawing/2014/main" val="4068385577"/>
@@ -5491,6 +5542,34 @@
                       <a:r>
                         <a:rPr lang="ko-KR" altLang="en-US" u="none" dirty="0"/>
                         <a:t>최대 인원 수</a:t>
+                      </a:r>
+                    </a:p>
+                  </a:txBody>
+                  <a:tcPr/>
+                </a:tc>
+                <a:tc>
+                  <a:txBody>
+                    <a:bodyPr/>
+                    <a:lstStyle/>
+                    <a:p>
+                      <a:pPr algn="ctr" latinLnBrk="1"/>
+                      <a:r>
+                        <a:rPr lang="ko-KR" altLang="en-US" u="none" dirty="0"/>
+                        <a:t>현재 인원 수</a:t>
+                      </a:r>
+                    </a:p>
+                  </a:txBody>
+                  <a:tcPr/>
+                </a:tc>
+                <a:tc>
+                  <a:txBody>
+                    <a:bodyPr/>
+                    <a:lstStyle/>
+                    <a:p>
+                      <a:pPr algn="ctr" latinLnBrk="1"/>
+                      <a:r>
+                        <a:rPr lang="ko-KR" altLang="en-US" u="none" dirty="0"/>
+                        <a:t>방 생성시간</a:t>
                       </a:r>
                     </a:p>
                   </a:txBody>
@@ -5986,21 +6065,6 @@
 </file>
 
 <file path=customXml/item1.xml><?xml version="1.0" encoding="utf-8"?>
-<?mso-contentType ?>
-<FormTemplates xmlns="http://schemas.microsoft.com/sharepoint/v3/contenttype/forms">
-  <Display>DocumentLibraryForm</Display>
-  <Edit>DocumentLibraryForm</Edit>
-  <New>DocumentLibraryForm</New>
-</FormTemplates>
-</file>
-
-<file path=customXml/item2.xml><?xml version="1.0" encoding="utf-8"?>
-<p:properties xmlns:p="http://schemas.microsoft.com/office/2006/metadata/properties" xmlns:xsi="http://www.w3.org/2001/XMLSchema-instance" xmlns:pc="http://schemas.microsoft.com/office/infopath/2007/PartnerControls">
-  <documentManagement/>
-</p:properties>
-</file>
-
-<file path=customXml/item3.xml><?xml version="1.0" encoding="utf-8"?>
 <ct:contentTypeSchema xmlns:ct="http://schemas.microsoft.com/office/2006/metadata/contentType" xmlns:ma="http://schemas.microsoft.com/office/2006/metadata/properties/metaAttributes" ct:_="" ma:_="" ma:contentTypeName="문서" ma:contentTypeID="0x010100F8BADC0CF357174FA4AF0DB9CCB2C990" ma:contentTypeVersion="4" ma:contentTypeDescription="새 문서를 만듭니다." ma:contentTypeScope="" ma:versionID="8d311c536f35297bfd5f71d218a1cc68">
   <xsd:schema xmlns:xsd="http://www.w3.org/2001/XMLSchema" xmlns:xs="http://www.w3.org/2001/XMLSchema" xmlns:p="http://schemas.microsoft.com/office/2006/metadata/properties" xmlns:ns3="ccfd3946-8f19-43a6-b98f-2cdd678b068e" targetNamespace="http://schemas.microsoft.com/office/2006/metadata/properties" ma:root="true" ma:fieldsID="714a09505e89809d6a237f04cfd2290d" ns3:_="">
     <xsd:import namespace="ccfd3946-8f19-43a6-b98f-2cdd678b068e"/>
@@ -6146,10 +6210,35 @@
 </ct:contentTypeSchema>
 </file>
 
+<file path=customXml/item2.xml><?xml version="1.0" encoding="utf-8"?>
+<p:properties xmlns:p="http://schemas.microsoft.com/office/2006/metadata/properties" xmlns:xsi="http://www.w3.org/2001/XMLSchema-instance" xmlns:pc="http://schemas.microsoft.com/office/infopath/2007/PartnerControls">
+  <documentManagement/>
+</p:properties>
+</file>
+
+<file path=customXml/item3.xml><?xml version="1.0" encoding="utf-8"?>
+<?mso-contentType ?>
+<FormTemplates xmlns="http://schemas.microsoft.com/sharepoint/v3/contenttype/forms">
+  <Display>DocumentLibraryForm</Display>
+  <Edit>DocumentLibraryForm</Edit>
+  <New>DocumentLibraryForm</New>
+</FormTemplates>
+</file>
+
 <file path=customXml/itemProps1.xml><?xml version="1.0" encoding="utf-8"?>
-<ds:datastoreItem xmlns:ds="http://schemas.openxmlformats.org/officeDocument/2006/customXml" ds:itemID="{B8CCF581-223F-4DB2-AF68-27B3BF8341E0}">
+<ds:datastoreItem xmlns:ds="http://schemas.openxmlformats.org/officeDocument/2006/customXml" ds:itemID="{E32717A5-8B4C-4EA0-83E9-501EE7C5EE5A}">
   <ds:schemaRefs>
-    <ds:schemaRef ds:uri="http://schemas.microsoft.com/sharepoint/v3/contenttype/forms"/>
+    <ds:schemaRef ds:uri="http://schemas.microsoft.com/office/2006/metadata/contentType"/>
+    <ds:schemaRef ds:uri="http://schemas.microsoft.com/office/2006/metadata/properties/metaAttributes"/>
+    <ds:schemaRef ds:uri="http://www.w3.org/2001/XMLSchema"/>
+    <ds:schemaRef ds:uri="http://schemas.microsoft.com/office/2006/metadata/properties"/>
+    <ds:schemaRef ds:uri="ccfd3946-8f19-43a6-b98f-2cdd678b068e"/>
+    <ds:schemaRef ds:uri="http://schemas.microsoft.com/office/2006/documentManagement/types"/>
+    <ds:schemaRef ds:uri="http://schemas.microsoft.com/office/infopath/2007/PartnerControls"/>
+    <ds:schemaRef ds:uri="http://schemas.openxmlformats.org/package/2006/metadata/core-properties"/>
+    <ds:schemaRef ds:uri="http://purl.org/dc/elements/1.1/"/>
+    <ds:schemaRef ds:uri="http://purl.org/dc/terms/"/>
+    <ds:schemaRef ds:uri="http://schemas.microsoft.com/internal/obd"/>
   </ds:schemaRefs>
 </ds:datastoreItem>
 </file>
@@ -6171,19 +6260,9 @@
 </file>
 
 <file path=customXml/itemProps3.xml><?xml version="1.0" encoding="utf-8"?>
-<ds:datastoreItem xmlns:ds="http://schemas.openxmlformats.org/officeDocument/2006/customXml" ds:itemID="{E32717A5-8B4C-4EA0-83E9-501EE7C5EE5A}">
+<ds:datastoreItem xmlns:ds="http://schemas.openxmlformats.org/officeDocument/2006/customXml" ds:itemID="{B8CCF581-223F-4DB2-AF68-27B3BF8341E0}">
   <ds:schemaRefs>
-    <ds:schemaRef ds:uri="http://schemas.microsoft.com/office/2006/metadata/contentType"/>
-    <ds:schemaRef ds:uri="http://schemas.microsoft.com/office/2006/metadata/properties/metaAttributes"/>
-    <ds:schemaRef ds:uri="http://www.w3.org/2001/XMLSchema"/>
-    <ds:schemaRef ds:uri="http://schemas.microsoft.com/office/2006/metadata/properties"/>
-    <ds:schemaRef ds:uri="ccfd3946-8f19-43a6-b98f-2cdd678b068e"/>
-    <ds:schemaRef ds:uri="http://schemas.microsoft.com/office/2006/documentManagement/types"/>
-    <ds:schemaRef ds:uri="http://schemas.microsoft.com/office/infopath/2007/PartnerControls"/>
-    <ds:schemaRef ds:uri="http://schemas.openxmlformats.org/package/2006/metadata/core-properties"/>
-    <ds:schemaRef ds:uri="http://purl.org/dc/elements/1.1/"/>
-    <ds:schemaRef ds:uri="http://purl.org/dc/terms/"/>
-    <ds:schemaRef ds:uri="http://schemas.microsoft.com/internal/obd"/>
+    <ds:schemaRef ds:uri="http://schemas.microsoft.com/sharepoint/v3/contenttype/forms"/>
   </ds:schemaRefs>
 </ds:datastoreItem>
 </file>